--- a/labs/lab02_unix.pptx
+++ b/labs/lab02_unix.pptx
@@ -5,7 +5,7 @@
     <p:sldMasterId id="2147483648" r:id="rId1"/>
   </p:sldMasterIdLst>
   <p:notesMasterIdLst>
-    <p:notesMasterId r:id="rId30"/>
+    <p:notesMasterId r:id="rId31"/>
   </p:notesMasterIdLst>
   <p:sldIdLst>
     <p:sldId id="256" r:id="rId2"/>
@@ -22,20 +22,21 @@
     <p:sldId id="299" r:id="rId13"/>
     <p:sldId id="274" r:id="rId14"/>
     <p:sldId id="271" r:id="rId15"/>
-    <p:sldId id="289" r:id="rId16"/>
-    <p:sldId id="275" r:id="rId17"/>
-    <p:sldId id="276" r:id="rId18"/>
-    <p:sldId id="277" r:id="rId19"/>
-    <p:sldId id="278" r:id="rId20"/>
-    <p:sldId id="279" r:id="rId21"/>
-    <p:sldId id="280" r:id="rId22"/>
-    <p:sldId id="281" r:id="rId23"/>
-    <p:sldId id="286" r:id="rId24"/>
-    <p:sldId id="282" r:id="rId25"/>
-    <p:sldId id="285" r:id="rId26"/>
-    <p:sldId id="284" r:id="rId27"/>
-    <p:sldId id="310" r:id="rId28"/>
-    <p:sldId id="288" r:id="rId29"/>
+    <p:sldId id="321" r:id="rId16"/>
+    <p:sldId id="289" r:id="rId17"/>
+    <p:sldId id="275" r:id="rId18"/>
+    <p:sldId id="276" r:id="rId19"/>
+    <p:sldId id="277" r:id="rId20"/>
+    <p:sldId id="278" r:id="rId21"/>
+    <p:sldId id="279" r:id="rId22"/>
+    <p:sldId id="280" r:id="rId23"/>
+    <p:sldId id="281" r:id="rId24"/>
+    <p:sldId id="286" r:id="rId25"/>
+    <p:sldId id="282" r:id="rId26"/>
+    <p:sldId id="285" r:id="rId27"/>
+    <p:sldId id="284" r:id="rId28"/>
+    <p:sldId id="310" r:id="rId29"/>
+    <p:sldId id="288" r:id="rId30"/>
   </p:sldIdLst>
   <p:sldSz cx="9144000" cy="6858000" type="screen4x3"/>
   <p:notesSz cx="6858000" cy="9144000"/>
@@ -219,7 +220,7 @@
           <a:p>
             <a:fld id="{08E6E0A8-E17C-C949-B17E-7A1A6494483A}" type="datetimeFigureOut">
               <a:rPr lang="en-US" smtClean="0"/>
-              <a:t>1/25/17</a:t>
+              <a:t>1/26/17</a:t>
             </a:fld>
             <a:endParaRPr lang="en-US"/>
           </a:p>
@@ -668,7 +669,7 @@
           <a:p>
             <a:fld id="{42B8B0BE-C8D7-EB48-AD68-71DB5002F24B}" type="datetimeFigureOut">
               <a:rPr lang="en-US" smtClean="0"/>
-              <a:t>1/25/17</a:t>
+              <a:t>1/26/17</a:t>
             </a:fld>
             <a:endParaRPr lang="en-US"/>
           </a:p>
@@ -838,7 +839,7 @@
           <a:p>
             <a:fld id="{42B8B0BE-C8D7-EB48-AD68-71DB5002F24B}" type="datetimeFigureOut">
               <a:rPr lang="en-US" smtClean="0"/>
-              <a:t>1/25/17</a:t>
+              <a:t>1/26/17</a:t>
             </a:fld>
             <a:endParaRPr lang="en-US"/>
           </a:p>
@@ -1018,7 +1019,7 @@
           <a:p>
             <a:fld id="{42B8B0BE-C8D7-EB48-AD68-71DB5002F24B}" type="datetimeFigureOut">
               <a:rPr lang="en-US" smtClean="0"/>
-              <a:t>1/25/17</a:t>
+              <a:t>1/26/17</a:t>
             </a:fld>
             <a:endParaRPr lang="en-US"/>
           </a:p>
@@ -1188,7 +1189,7 @@
           <a:p>
             <a:fld id="{42B8B0BE-C8D7-EB48-AD68-71DB5002F24B}" type="datetimeFigureOut">
               <a:rPr lang="en-US" smtClean="0"/>
-              <a:t>1/25/17</a:t>
+              <a:t>1/26/17</a:t>
             </a:fld>
             <a:endParaRPr lang="en-US"/>
           </a:p>
@@ -1434,7 +1435,7 @@
           <a:p>
             <a:fld id="{42B8B0BE-C8D7-EB48-AD68-71DB5002F24B}" type="datetimeFigureOut">
               <a:rPr lang="en-US" smtClean="0"/>
-              <a:t>1/25/17</a:t>
+              <a:t>1/26/17</a:t>
             </a:fld>
             <a:endParaRPr lang="en-US"/>
           </a:p>
@@ -1722,7 +1723,7 @@
           <a:p>
             <a:fld id="{42B8B0BE-C8D7-EB48-AD68-71DB5002F24B}" type="datetimeFigureOut">
               <a:rPr lang="en-US" smtClean="0"/>
-              <a:t>1/25/17</a:t>
+              <a:t>1/26/17</a:t>
             </a:fld>
             <a:endParaRPr lang="en-US"/>
           </a:p>
@@ -2144,7 +2145,7 @@
           <a:p>
             <a:fld id="{42B8B0BE-C8D7-EB48-AD68-71DB5002F24B}" type="datetimeFigureOut">
               <a:rPr lang="en-US" smtClean="0"/>
-              <a:t>1/25/17</a:t>
+              <a:t>1/26/17</a:t>
             </a:fld>
             <a:endParaRPr lang="en-US"/>
           </a:p>
@@ -2262,7 +2263,7 @@
           <a:p>
             <a:fld id="{42B8B0BE-C8D7-EB48-AD68-71DB5002F24B}" type="datetimeFigureOut">
               <a:rPr lang="en-US" smtClean="0"/>
-              <a:t>1/25/17</a:t>
+              <a:t>1/26/17</a:t>
             </a:fld>
             <a:endParaRPr lang="en-US"/>
           </a:p>
@@ -2357,7 +2358,7 @@
           <a:p>
             <a:fld id="{42B8B0BE-C8D7-EB48-AD68-71DB5002F24B}" type="datetimeFigureOut">
               <a:rPr lang="en-US" smtClean="0"/>
-              <a:t>1/25/17</a:t>
+              <a:t>1/26/17</a:t>
             </a:fld>
             <a:endParaRPr lang="en-US"/>
           </a:p>
@@ -2634,7 +2635,7 @@
           <a:p>
             <a:fld id="{42B8B0BE-C8D7-EB48-AD68-71DB5002F24B}" type="datetimeFigureOut">
               <a:rPr lang="en-US" smtClean="0"/>
-              <a:t>1/25/17</a:t>
+              <a:t>1/26/17</a:t>
             </a:fld>
             <a:endParaRPr lang="en-US"/>
           </a:p>
@@ -2887,7 +2888,7 @@
           <a:p>
             <a:fld id="{42B8B0BE-C8D7-EB48-AD68-71DB5002F24B}" type="datetimeFigureOut">
               <a:rPr lang="en-US" smtClean="0"/>
-              <a:t>1/25/17</a:t>
+              <a:t>1/26/17</a:t>
             </a:fld>
             <a:endParaRPr lang="en-US"/>
           </a:p>
@@ -3100,7 +3101,7 @@
           <a:p>
             <a:fld id="{42B8B0BE-C8D7-EB48-AD68-71DB5002F24B}" type="datetimeFigureOut">
               <a:rPr lang="en-US" smtClean="0"/>
-              <a:t>1/25/17</a:t>
+              <a:t>1/26/17</a:t>
             </a:fld>
             <a:endParaRPr lang="en-US"/>
           </a:p>
@@ -3501,10 +3502,6 @@
               <a:rPr lang="en-US" sz="3200" dirty="0" smtClean="0"/>
               <a:t>UNIX</a:t>
             </a:r>
-            <a:r>
-              <a:rPr lang="en-US" sz="3200" dirty="0" smtClean="0"/>
-              <a:t/>
-            </a:r>
             <a:br>
               <a:rPr lang="en-US" sz="3200" dirty="0" smtClean="0"/>
             </a:br>
@@ -3532,15 +3529,7 @@
             </a:r>
             <a:r>
               <a:rPr lang="en-US" sz="2000" dirty="0" smtClean="0"/>
-              <a:t>(</a:t>
-            </a:r>
-            <a:r>
-              <a:rPr lang="en-US" sz="2000" dirty="0" smtClean="0"/>
-              <a:t>PLPTH813</a:t>
-            </a:r>
-            <a:r>
-              <a:rPr lang="en-US" sz="2000" dirty="0" smtClean="0"/>
-              <a:t>)</a:t>
+              <a:t>(PLPTH813)</a:t>
             </a:r>
             <a:endParaRPr lang="en-US" sz="2000" dirty="0"/>
           </a:p>
@@ -3579,11 +3568,7 @@
           <a:p>
             <a:r>
               <a:rPr lang="en-US" sz="2800" dirty="0" smtClean="0"/>
-              <a:t>1/</a:t>
-            </a:r>
-            <a:r>
-              <a:rPr lang="en-US" sz="2800" dirty="0" smtClean="0"/>
-              <a:t>26/2017</a:t>
+              <a:t>1/26/2017</a:t>
             </a:r>
             <a:endParaRPr lang="en-US" sz="2800" dirty="0"/>
           </a:p>
@@ -4121,15 +4106,7 @@
             </a:pPr>
             <a:r>
               <a:rPr lang="en-US" sz="2800" dirty="0" smtClean="0"/>
-              <a:t>Familiar </a:t>
-            </a:r>
-            <a:r>
-              <a:rPr lang="en-US" sz="2800" dirty="0" smtClean="0"/>
-              <a:t>to the UNIX environment and basic </a:t>
-            </a:r>
-            <a:r>
-              <a:rPr lang="en-US" sz="2800" dirty="0" smtClean="0"/>
-              <a:t>commands</a:t>
+              <a:t>Familiar to the UNIX environment and basic commands</a:t>
             </a:r>
           </a:p>
           <a:p>
@@ -4517,11 +4494,7 @@
             </a:pPr>
             <a:r>
               <a:rPr lang="en-US" dirty="0" smtClean="0"/>
-              <a:t>Open </a:t>
-            </a:r>
-            <a:r>
-              <a:rPr lang="en-US" dirty="0" smtClean="0"/>
-              <a:t>Excel file </a:t>
+              <a:t>Open Excel file </a:t>
             </a:r>
             <a:r>
               <a:rPr lang="en-US" dirty="0" err="1" smtClean="0"/>
@@ -4672,7 +4645,11 @@
           <a:p>
             <a:r>
               <a:rPr lang="en-US" dirty="0" smtClean="0"/>
-              <a:t>Modification of file/directory permissions</a:t>
+              <a:t>data sharing in </a:t>
+            </a:r>
+            <a:r>
+              <a:rPr lang="en-US" dirty="0" err="1" smtClean="0"/>
+              <a:t>Beocat</a:t>
             </a:r>
             <a:endParaRPr lang="en-US" dirty="0"/>
           </a:p>
@@ -4685,302 +4662,42 @@
             <a:spLocks noGrp="1"/>
           </p:cNvSpPr>
           <p:nvPr>
-            <p:ph sz="half" idx="1"/>
+            <p:ph idx="1"/>
           </p:nvPr>
         </p:nvSpPr>
         <p:spPr>
           <a:xfrm>
-            <a:off x="457200" y="1380066"/>
-            <a:ext cx="8229600" cy="880533"/>
+            <a:off x="457200" y="2331892"/>
+            <a:ext cx="8229600" cy="1894033"/>
           </a:xfrm>
         </p:spPr>
         <p:txBody>
           <a:bodyPr>
-            <a:normAutofit lnSpcReduction="10000"/>
+            <a:normAutofit/>
           </a:bodyPr>
           <a:lstStyle/>
           <a:p>
-            <a:r>
-              <a:rPr lang="en-US" b="1" dirty="0" err="1">
-                <a:solidFill>
-                  <a:schemeClr val="tx2">
-                    <a:lumMod val="75000"/>
-                  </a:schemeClr>
-                </a:solidFill>
-              </a:rPr>
-              <a:t>chmod</a:t>
-            </a:r>
-            <a:r>
-              <a:rPr lang="en-US" dirty="0"/>
-              <a:t> </a:t>
-            </a:r>
-            <a:r>
-              <a:rPr lang="en-US" dirty="0" smtClean="0"/>
-              <a:t>- change </a:t>
-            </a:r>
-            <a:r>
-              <a:rPr lang="en-US" dirty="0"/>
-              <a:t>the access permissions to </a:t>
-            </a:r>
-            <a:r>
-              <a:rPr lang="en-US" dirty="0" smtClean="0"/>
-              <a:t>files </a:t>
-            </a:r>
-            <a:r>
-              <a:rPr lang="en-US" dirty="0"/>
-              <a:t>and </a:t>
-            </a:r>
-            <a:r>
-              <a:rPr lang="en-US" dirty="0" smtClean="0"/>
-              <a:t>directories</a:t>
-            </a:r>
-            <a:endParaRPr lang="en-US" dirty="0"/>
-          </a:p>
-        </p:txBody>
-      </p:sp>
-      <p:sp>
-        <p:nvSpPr>
-          <p:cNvPr id="5" name="Slide Number Placeholder 4"/>
-          <p:cNvSpPr>
-            <a:spLocks noGrp="1"/>
-          </p:cNvSpPr>
-          <p:nvPr>
-            <p:ph type="sldNum" sz="quarter" idx="12"/>
-          </p:nvPr>
-        </p:nvSpPr>
-        <p:spPr/>
-        <p:txBody>
-          <a:bodyPr/>
-          <a:lstStyle/>
-          <a:p>
-            <a:fld id="{9DA039C4-C5F2-1743-BB7A-5D831266C61E}" type="slidenum">
-              <a:rPr lang="en-US" smtClean="0"/>
-              <a:t>15</a:t>
-            </a:fld>
-            <a:endParaRPr lang="en-US"/>
-          </a:p>
-        </p:txBody>
-      </p:sp>
-      <p:sp>
-        <p:nvSpPr>
-          <p:cNvPr id="6" name="Rectangle 5"/>
-          <p:cNvSpPr/>
-          <p:nvPr/>
-        </p:nvSpPr>
-        <p:spPr>
-          <a:xfrm>
-            <a:off x="812800" y="2780950"/>
-            <a:ext cx="4432674" cy="461665"/>
-          </a:xfrm>
-          <a:prstGeom prst="rect">
-            <a:avLst/>
-          </a:prstGeom>
-        </p:spPr>
-        <p:txBody>
-          <a:bodyPr wrap="none">
-            <a:spAutoFit/>
-          </a:bodyPr>
-          <a:lstStyle/>
-          <a:p>
-            <a:r>
-              <a:rPr lang="en-US" sz="2400" dirty="0" smtClean="0">
-                <a:latin typeface="Courier"/>
-                <a:cs typeface="Courier"/>
-              </a:rPr>
-              <a:t>% </a:t>
-            </a:r>
-            <a:r>
-              <a:rPr lang="en-US" sz="2400" dirty="0" err="1" smtClean="0">
-                <a:latin typeface="Courier"/>
-                <a:cs typeface="Courier"/>
-              </a:rPr>
-              <a:t>chmod</a:t>
-            </a:r>
-            <a:r>
-              <a:rPr lang="en-US" sz="2400" dirty="0" smtClean="0">
-                <a:latin typeface="Courier"/>
-                <a:cs typeface="Courier"/>
-              </a:rPr>
-              <a:t> </a:t>
-            </a:r>
-            <a:r>
-              <a:rPr lang="en-US" sz="2400" dirty="0" err="1" smtClean="0">
-                <a:latin typeface="Courier"/>
-                <a:cs typeface="Courier"/>
-              </a:rPr>
-              <a:t>g+w</a:t>
-            </a:r>
-            <a:r>
-              <a:rPr lang="en-US" sz="2400" dirty="0" smtClean="0">
-                <a:latin typeface="Courier"/>
-                <a:cs typeface="Courier"/>
-              </a:rPr>
-              <a:t> &lt;file name&gt;</a:t>
-            </a:r>
-            <a:endParaRPr lang="en-US" sz="2400" dirty="0">
-              <a:latin typeface="Courier"/>
-              <a:cs typeface="Courier"/>
-            </a:endParaRPr>
-          </a:p>
-        </p:txBody>
-      </p:sp>
-      <p:sp>
-        <p:nvSpPr>
-          <p:cNvPr id="9" name="Rectangle 8"/>
-          <p:cNvSpPr/>
-          <p:nvPr/>
-        </p:nvSpPr>
-        <p:spPr>
-          <a:xfrm>
-            <a:off x="812800" y="3804919"/>
-            <a:ext cx="4617370" cy="461665"/>
-          </a:xfrm>
-          <a:prstGeom prst="rect">
-            <a:avLst/>
-          </a:prstGeom>
-        </p:spPr>
-        <p:txBody>
-          <a:bodyPr wrap="none">
-            <a:spAutoFit/>
-          </a:bodyPr>
-          <a:lstStyle/>
-          <a:p>
-            <a:r>
-              <a:rPr lang="en-US" sz="2400" dirty="0" smtClean="0">
-                <a:latin typeface="Courier"/>
-                <a:cs typeface="Courier"/>
-              </a:rPr>
-              <a:t>% </a:t>
-            </a:r>
-            <a:r>
-              <a:rPr lang="en-US" sz="2400" dirty="0" err="1" smtClean="0">
-                <a:latin typeface="Courier"/>
-                <a:cs typeface="Courier"/>
-              </a:rPr>
-              <a:t>chmod</a:t>
-            </a:r>
-            <a:r>
-              <a:rPr lang="en-US" sz="2400" dirty="0" smtClean="0">
-                <a:latin typeface="Courier"/>
-                <a:cs typeface="Courier"/>
-              </a:rPr>
-              <a:t> </a:t>
-            </a:r>
-            <a:r>
-              <a:rPr lang="en-US" sz="2400" dirty="0" err="1" smtClean="0">
-                <a:latin typeface="Courier"/>
-                <a:cs typeface="Courier"/>
-              </a:rPr>
-              <a:t>ug</a:t>
-            </a:r>
-            <a:r>
-              <a:rPr lang="en-US" sz="2400" dirty="0">
-                <a:latin typeface="Courier"/>
-                <a:cs typeface="Courier"/>
-              </a:rPr>
-              <a:t>-</a:t>
-            </a:r>
-            <a:r>
-              <a:rPr lang="en-US" sz="2400" dirty="0" smtClean="0">
-                <a:latin typeface="Courier"/>
-                <a:cs typeface="Courier"/>
-              </a:rPr>
-              <a:t>w &lt;file name&gt;</a:t>
-            </a:r>
-            <a:endParaRPr lang="en-US" sz="2400" dirty="0">
-              <a:latin typeface="Courier"/>
-              <a:cs typeface="Courier"/>
-            </a:endParaRPr>
-          </a:p>
-        </p:txBody>
-      </p:sp>
-      <p:sp>
-        <p:nvSpPr>
-          <p:cNvPr id="16" name="Rectangle 15"/>
-          <p:cNvSpPr/>
-          <p:nvPr/>
-        </p:nvSpPr>
-        <p:spPr>
-          <a:xfrm>
-            <a:off x="812800" y="4968218"/>
-            <a:ext cx="5356154" cy="461665"/>
-          </a:xfrm>
-          <a:prstGeom prst="rect">
-            <a:avLst/>
-          </a:prstGeom>
-        </p:spPr>
-        <p:txBody>
-          <a:bodyPr wrap="none">
-            <a:spAutoFit/>
-          </a:bodyPr>
-          <a:lstStyle/>
-          <a:p>
-            <a:r>
-              <a:rPr lang="en-US" sz="2400" dirty="0" smtClean="0">
-                <a:latin typeface="Courier"/>
-                <a:cs typeface="Courier"/>
-              </a:rPr>
-              <a:t>% </a:t>
-            </a:r>
-            <a:r>
-              <a:rPr lang="en-US" sz="2400" dirty="0" err="1" smtClean="0">
-                <a:latin typeface="Courier"/>
-                <a:cs typeface="Courier"/>
-              </a:rPr>
-              <a:t>chmod</a:t>
-            </a:r>
-            <a:r>
-              <a:rPr lang="en-US" sz="2400" dirty="0" smtClean="0">
-                <a:latin typeface="Courier"/>
-                <a:cs typeface="Courier"/>
-              </a:rPr>
-              <a:t> </a:t>
-            </a:r>
-            <a:r>
-              <a:rPr lang="en-US" sz="2400" dirty="0" err="1" smtClean="0">
-                <a:latin typeface="Courier"/>
-                <a:cs typeface="Courier"/>
-              </a:rPr>
-              <a:t>u+w,go-</a:t>
-            </a:r>
-            <a:r>
-              <a:rPr lang="en-US" sz="2400" dirty="0" err="1">
-                <a:latin typeface="Courier"/>
-                <a:cs typeface="Courier"/>
-              </a:rPr>
-              <a:t>r</a:t>
-            </a:r>
-            <a:r>
-              <a:rPr lang="en-US" sz="2400" dirty="0" smtClean="0">
-                <a:latin typeface="Courier"/>
-                <a:cs typeface="Courier"/>
-              </a:rPr>
-              <a:t> &lt;file name&gt;</a:t>
-            </a:r>
-            <a:endParaRPr lang="en-US" sz="2400" dirty="0">
-              <a:latin typeface="Courier"/>
-              <a:cs typeface="Courier"/>
-            </a:endParaRPr>
+            <a:pPr marL="0" indent="0">
+              <a:buNone/>
+            </a:pPr>
+            <a:r>
+              <a:rPr lang="en-US" sz="3200" dirty="0" smtClean="0"/>
+              <a:t>work with your neighbors and see if you can see your neighbor's data</a:t>
+            </a:r>
+            <a:endParaRPr lang="en-US" sz="3200" dirty="0"/>
           </a:p>
         </p:txBody>
       </p:sp>
     </p:spTree>
     <p:extLst>
       <p:ext uri="{BB962C8B-B14F-4D97-AF65-F5344CB8AC3E}">
-        <p14:creationId xmlns:p14="http://schemas.microsoft.com/office/powerpoint/2010/main" val="1325543431"/>
+        <p14:creationId xmlns:p14="http://schemas.microsoft.com/office/powerpoint/2010/main" val="154074435"/>
       </p:ext>
     </p:extLst>
   </p:cSld>
   <p:clrMapOvr>
     <a:masterClrMapping/>
   </p:clrMapOvr>
-  <p:timing>
-    <p:tnLst>
-      <p:par>
-        <p:cTn xmlns:p14="http://schemas.microsoft.com/office/powerpoint/2010/main" id="1" dur="indefinite" restart="never" nodeType="tmRoot"/>
-      </p:par>
-    </p:tnLst>
-  </p:timing>
 </p:sld>
 </file>
 
@@ -5018,7 +4735,7 @@
           <a:p>
             <a:r>
               <a:rPr lang="en-US" dirty="0" smtClean="0"/>
-              <a:t>cd</a:t>
+              <a:t>Modification of file/directory permissions</a:t>
             </a:r>
             <a:endParaRPr lang="en-US" dirty="0"/>
           </a:p>
@@ -5031,89 +4748,289 @@
             <a:spLocks noGrp="1"/>
           </p:cNvSpPr>
           <p:nvPr>
-            <p:ph idx="1"/>
+            <p:ph sz="half" idx="1"/>
           </p:nvPr>
         </p:nvSpPr>
         <p:spPr>
           <a:xfrm>
-            <a:off x="2418643" y="1895866"/>
-            <a:ext cx="4607978" cy="2830809"/>
+            <a:off x="457200" y="1380066"/>
+            <a:ext cx="8229600" cy="880533"/>
           </a:xfrm>
         </p:spPr>
         <p:txBody>
           <a:bodyPr>
-            <a:normAutofit/>
+            <a:normAutofit lnSpcReduction="10000"/>
           </a:bodyPr>
           <a:lstStyle/>
           <a:p>
             <a:r>
-              <a:rPr lang="en-US" dirty="0" smtClean="0"/>
-              <a:t>cd </a:t>
+              <a:rPr lang="en-US" b="1" dirty="0" err="1">
+                <a:solidFill>
+                  <a:schemeClr val="tx2">
+                    <a:lumMod val="75000"/>
+                  </a:schemeClr>
+                </a:solidFill>
+              </a:rPr>
+              <a:t>chmod</a:t>
             </a:r>
             <a:r>
               <a:rPr lang="en-US" dirty="0"/>
-              <a:t>..</a:t>
-            </a:r>
-          </a:p>
-          <a:p>
+              <a:t> </a:t>
+            </a:r>
+            <a:r>
+              <a:rPr lang="en-US" dirty="0" smtClean="0"/>
+              <a:t>- change </a:t>
+            </a:r>
             <a:r>
               <a:rPr lang="en-US" dirty="0"/>
-              <a:t>c</a:t>
-            </a:r>
-            <a:r>
-              <a:rPr lang="en-US" dirty="0" smtClean="0"/>
-              <a:t>d </a:t>
-            </a:r>
-            <a:r>
-              <a:rPr lang="en-US" dirty="0" err="1" smtClean="0"/>
-              <a:t>unixp</a:t>
-            </a:r>
-            <a:endParaRPr lang="en-US" dirty="0" smtClean="0"/>
-          </a:p>
-          <a:p>
-            <a:pPr marL="0" indent="0">
-              <a:buNone/>
-            </a:pPr>
-            <a:endParaRPr lang="en-US" dirty="0" smtClean="0"/>
-          </a:p>
-          <a:p>
-            <a:pPr marL="0" indent="0">
-              <a:buNone/>
-            </a:pPr>
+              <a:t>the access permissions to </a:t>
+            </a:r>
+            <a:r>
+              <a:rPr lang="en-US" dirty="0" smtClean="0"/>
+              <a:t>files </a:t>
+            </a:r>
             <a:r>
               <a:rPr lang="en-US" dirty="0"/>
-              <a:t># jump to user home directory</a:t>
-            </a:r>
-            <a:endParaRPr lang="en-US" dirty="0" smtClean="0"/>
-          </a:p>
-          <a:p>
-            <a:r>
-              <a:rPr lang="en-US" dirty="0" smtClean="0"/>
-              <a:t>cd ~</a:t>
+              <a:t>and </a:t>
+            </a:r>
+            <a:r>
+              <a:rPr lang="en-US" dirty="0" smtClean="0"/>
+              <a:t>directories</a:t>
             </a:r>
             <a:endParaRPr lang="en-US" dirty="0"/>
           </a:p>
-          <a:p>
-            <a:r>
-              <a:rPr lang="en-US" dirty="0"/>
-              <a:t>c</a:t>
-            </a:r>
-            <a:r>
-              <a:rPr lang="en-US" dirty="0" smtClean="0"/>
-              <a:t>d </a:t>
-            </a:r>
-            <a:r>
-              <a:rPr lang="en-US" dirty="0" err="1" smtClean="0"/>
-              <a:t>unixp</a:t>
-            </a:r>
-            <a:endParaRPr lang="en-US" dirty="0"/>
+        </p:txBody>
+      </p:sp>
+      <p:sp>
+        <p:nvSpPr>
+          <p:cNvPr id="5" name="Slide Number Placeholder 4"/>
+          <p:cNvSpPr>
+            <a:spLocks noGrp="1"/>
+          </p:cNvSpPr>
+          <p:nvPr>
+            <p:ph type="sldNum" sz="quarter" idx="12"/>
+          </p:nvPr>
+        </p:nvSpPr>
+        <p:spPr/>
+        <p:txBody>
+          <a:bodyPr/>
+          <a:lstStyle/>
+          <a:p>
+            <a:fld id="{9DA039C4-C5F2-1743-BB7A-5D831266C61E}" type="slidenum">
+              <a:rPr lang="en-US" smtClean="0"/>
+              <a:t>16</a:t>
+            </a:fld>
+            <a:endParaRPr lang="en-US"/>
+          </a:p>
+        </p:txBody>
+      </p:sp>
+      <p:sp>
+        <p:nvSpPr>
+          <p:cNvPr id="6" name="Rectangle 5"/>
+          <p:cNvSpPr/>
+          <p:nvPr/>
+        </p:nvSpPr>
+        <p:spPr>
+          <a:xfrm>
+            <a:off x="812800" y="2780950"/>
+            <a:ext cx="4432674" cy="461665"/>
+          </a:xfrm>
+          <a:prstGeom prst="rect">
+            <a:avLst/>
+          </a:prstGeom>
+        </p:spPr>
+        <p:txBody>
+          <a:bodyPr wrap="none">
+            <a:spAutoFit/>
+          </a:bodyPr>
+          <a:lstStyle/>
+          <a:p>
+            <a:r>
+              <a:rPr lang="en-US" sz="2400" dirty="0" smtClean="0">
+                <a:latin typeface="Courier"/>
+                <a:cs typeface="Courier"/>
+              </a:rPr>
+              <a:t>% </a:t>
+            </a:r>
+            <a:r>
+              <a:rPr lang="en-US" sz="2400" dirty="0" err="1" smtClean="0">
+                <a:latin typeface="Courier"/>
+                <a:cs typeface="Courier"/>
+              </a:rPr>
+              <a:t>chmod</a:t>
+            </a:r>
+            <a:r>
+              <a:rPr lang="en-US" sz="2400" dirty="0" smtClean="0">
+                <a:latin typeface="Courier"/>
+                <a:cs typeface="Courier"/>
+              </a:rPr>
+              <a:t> </a:t>
+            </a:r>
+            <a:r>
+              <a:rPr lang="en-US" sz="2400" dirty="0" err="1" smtClean="0">
+                <a:latin typeface="Courier"/>
+                <a:cs typeface="Courier"/>
+              </a:rPr>
+              <a:t>g+w</a:t>
+            </a:r>
+            <a:r>
+              <a:rPr lang="en-US" sz="2400" dirty="0" smtClean="0">
+                <a:latin typeface="Courier"/>
+                <a:cs typeface="Courier"/>
+              </a:rPr>
+              <a:t> &lt;file name&gt;</a:t>
+            </a:r>
+            <a:endParaRPr lang="en-US" sz="2400" dirty="0">
+              <a:latin typeface="Courier"/>
+              <a:cs typeface="Courier"/>
+            </a:endParaRPr>
+          </a:p>
+        </p:txBody>
+      </p:sp>
+      <p:sp>
+        <p:nvSpPr>
+          <p:cNvPr id="9" name="Rectangle 8"/>
+          <p:cNvSpPr/>
+          <p:nvPr/>
+        </p:nvSpPr>
+        <p:spPr>
+          <a:xfrm>
+            <a:off x="812800" y="3804919"/>
+            <a:ext cx="4617370" cy="461665"/>
+          </a:xfrm>
+          <a:prstGeom prst="rect">
+            <a:avLst/>
+          </a:prstGeom>
+        </p:spPr>
+        <p:txBody>
+          <a:bodyPr wrap="none">
+            <a:spAutoFit/>
+          </a:bodyPr>
+          <a:lstStyle/>
+          <a:p>
+            <a:r>
+              <a:rPr lang="en-US" sz="2400" dirty="0" smtClean="0">
+                <a:latin typeface="Courier"/>
+                <a:cs typeface="Courier"/>
+              </a:rPr>
+              <a:t>% </a:t>
+            </a:r>
+            <a:r>
+              <a:rPr lang="en-US" sz="2400" dirty="0" err="1" smtClean="0">
+                <a:latin typeface="Courier"/>
+                <a:cs typeface="Courier"/>
+              </a:rPr>
+              <a:t>chmod</a:t>
+            </a:r>
+            <a:r>
+              <a:rPr lang="en-US" sz="2400" dirty="0" smtClean="0">
+                <a:latin typeface="Courier"/>
+                <a:cs typeface="Courier"/>
+              </a:rPr>
+              <a:t> </a:t>
+            </a:r>
+            <a:r>
+              <a:rPr lang="en-US" sz="2400" dirty="0" err="1" smtClean="0">
+                <a:latin typeface="Courier"/>
+                <a:cs typeface="Courier"/>
+              </a:rPr>
+              <a:t>ug</a:t>
+            </a:r>
+            <a:r>
+              <a:rPr lang="en-US" sz="2400" dirty="0">
+                <a:latin typeface="Courier"/>
+                <a:cs typeface="Courier"/>
+              </a:rPr>
+              <a:t>-</a:t>
+            </a:r>
+            <a:r>
+              <a:rPr lang="en-US" sz="2400" dirty="0" smtClean="0">
+                <a:latin typeface="Courier"/>
+                <a:cs typeface="Courier"/>
+              </a:rPr>
+              <a:t>w &lt;file name&gt;</a:t>
+            </a:r>
+            <a:endParaRPr lang="en-US" sz="2400" dirty="0">
+              <a:latin typeface="Courier"/>
+              <a:cs typeface="Courier"/>
+            </a:endParaRPr>
+          </a:p>
+        </p:txBody>
+      </p:sp>
+      <p:sp>
+        <p:nvSpPr>
+          <p:cNvPr id="16" name="Rectangle 15"/>
+          <p:cNvSpPr/>
+          <p:nvPr/>
+        </p:nvSpPr>
+        <p:spPr>
+          <a:xfrm>
+            <a:off x="812800" y="4968218"/>
+            <a:ext cx="5356154" cy="461665"/>
+          </a:xfrm>
+          <a:prstGeom prst="rect">
+            <a:avLst/>
+          </a:prstGeom>
+        </p:spPr>
+        <p:txBody>
+          <a:bodyPr wrap="none">
+            <a:spAutoFit/>
+          </a:bodyPr>
+          <a:lstStyle/>
+          <a:p>
+            <a:r>
+              <a:rPr lang="en-US" sz="2400" dirty="0" smtClean="0">
+                <a:latin typeface="Courier"/>
+                <a:cs typeface="Courier"/>
+              </a:rPr>
+              <a:t>% </a:t>
+            </a:r>
+            <a:r>
+              <a:rPr lang="en-US" sz="2400" dirty="0" err="1" smtClean="0">
+                <a:latin typeface="Courier"/>
+                <a:cs typeface="Courier"/>
+              </a:rPr>
+              <a:t>chmod</a:t>
+            </a:r>
+            <a:r>
+              <a:rPr lang="en-US" sz="2400" dirty="0" smtClean="0">
+                <a:latin typeface="Courier"/>
+                <a:cs typeface="Courier"/>
+              </a:rPr>
+              <a:t> </a:t>
+            </a:r>
+            <a:r>
+              <a:rPr lang="en-US" sz="2400" dirty="0" err="1" smtClean="0">
+                <a:latin typeface="Courier"/>
+                <a:cs typeface="Courier"/>
+              </a:rPr>
+              <a:t>u+w,go-</a:t>
+            </a:r>
+            <a:r>
+              <a:rPr lang="en-US" sz="2400" dirty="0" err="1">
+                <a:latin typeface="Courier"/>
+                <a:cs typeface="Courier"/>
+              </a:rPr>
+              <a:t>r</a:t>
+            </a:r>
+            <a:r>
+              <a:rPr lang="en-US" sz="2400" dirty="0" smtClean="0">
+                <a:latin typeface="Courier"/>
+                <a:cs typeface="Courier"/>
+              </a:rPr>
+              <a:t> &lt;file name&gt;</a:t>
+            </a:r>
+            <a:endParaRPr lang="en-US" sz="2400" dirty="0">
+              <a:latin typeface="Courier"/>
+              <a:cs typeface="Courier"/>
+            </a:endParaRPr>
           </a:p>
         </p:txBody>
       </p:sp>
     </p:spTree>
     <p:extLst>
       <p:ext uri="{BB962C8B-B14F-4D97-AF65-F5344CB8AC3E}">
-        <p14:creationId xmlns:p14="http://schemas.microsoft.com/office/powerpoint/2010/main" val="41012831"/>
+        <p14:creationId xmlns:p14="http://schemas.microsoft.com/office/powerpoint/2010/main" val="1325543431"/>
       </p:ext>
     </p:extLst>
   </p:cSld>
@@ -5159,6 +5076,152 @@
         </p:nvSpPr>
         <p:spPr/>
         <p:txBody>
+          <a:bodyPr/>
+          <a:lstStyle/>
+          <a:p>
+            <a:r>
+              <a:rPr lang="en-US" dirty="0" smtClean="0"/>
+              <a:t>cd</a:t>
+            </a:r>
+            <a:endParaRPr lang="en-US" dirty="0"/>
+          </a:p>
+        </p:txBody>
+      </p:sp>
+      <p:sp>
+        <p:nvSpPr>
+          <p:cNvPr id="3" name="Content Placeholder 2"/>
+          <p:cNvSpPr>
+            <a:spLocks noGrp="1"/>
+          </p:cNvSpPr>
+          <p:nvPr>
+            <p:ph idx="1"/>
+          </p:nvPr>
+        </p:nvSpPr>
+        <p:spPr>
+          <a:xfrm>
+            <a:off x="2418643" y="1895866"/>
+            <a:ext cx="4607978" cy="2830809"/>
+          </a:xfrm>
+        </p:spPr>
+        <p:txBody>
+          <a:bodyPr>
+            <a:normAutofit/>
+          </a:bodyPr>
+          <a:lstStyle/>
+          <a:p>
+            <a:r>
+              <a:rPr lang="en-US" dirty="0" smtClean="0"/>
+              <a:t>cd </a:t>
+            </a:r>
+            <a:r>
+              <a:rPr lang="en-US" dirty="0"/>
+              <a:t>..</a:t>
+            </a:r>
+          </a:p>
+          <a:p>
+            <a:r>
+              <a:rPr lang="en-US" dirty="0"/>
+              <a:t>c</a:t>
+            </a:r>
+            <a:r>
+              <a:rPr lang="en-US" dirty="0" smtClean="0"/>
+              <a:t>d </a:t>
+            </a:r>
+            <a:r>
+              <a:rPr lang="en-US" dirty="0" err="1" smtClean="0"/>
+              <a:t>unixp</a:t>
+            </a:r>
+            <a:endParaRPr lang="en-US" dirty="0" smtClean="0"/>
+          </a:p>
+          <a:p>
+            <a:pPr marL="0" indent="0">
+              <a:buNone/>
+            </a:pPr>
+            <a:endParaRPr lang="en-US" dirty="0" smtClean="0"/>
+          </a:p>
+          <a:p>
+            <a:pPr marL="0" indent="0">
+              <a:buNone/>
+            </a:pPr>
+            <a:r>
+              <a:rPr lang="en-US" dirty="0"/>
+              <a:t># jump to user home directory</a:t>
+            </a:r>
+            <a:endParaRPr lang="en-US" dirty="0" smtClean="0"/>
+          </a:p>
+          <a:p>
+            <a:r>
+              <a:rPr lang="en-US" dirty="0" smtClean="0"/>
+              <a:t>cd ~</a:t>
+            </a:r>
+            <a:endParaRPr lang="en-US" dirty="0"/>
+          </a:p>
+          <a:p>
+            <a:r>
+              <a:rPr lang="en-US" dirty="0"/>
+              <a:t>c</a:t>
+            </a:r>
+            <a:r>
+              <a:rPr lang="en-US" dirty="0" smtClean="0"/>
+              <a:t>d </a:t>
+            </a:r>
+            <a:r>
+              <a:rPr lang="en-US" dirty="0" err="1" smtClean="0"/>
+              <a:t>unixp</a:t>
+            </a:r>
+            <a:endParaRPr lang="en-US" dirty="0"/>
+          </a:p>
+        </p:txBody>
+      </p:sp>
+    </p:spTree>
+    <p:extLst>
+      <p:ext uri="{BB962C8B-B14F-4D97-AF65-F5344CB8AC3E}">
+        <p14:creationId xmlns:p14="http://schemas.microsoft.com/office/powerpoint/2010/main" val="41012831"/>
+      </p:ext>
+    </p:extLst>
+  </p:cSld>
+  <p:clrMapOvr>
+    <a:masterClrMapping/>
+  </p:clrMapOvr>
+  <p:timing>
+    <p:tnLst>
+      <p:par>
+        <p:cTn xmlns:p14="http://schemas.microsoft.com/office/powerpoint/2010/main" id="1" dur="indefinite" restart="never" nodeType="tmRoot"/>
+      </p:par>
+    </p:tnLst>
+  </p:timing>
+</p:sld>
+</file>
+
+<file path=ppt/slides/slide18.xml><?xml version="1.0" encoding="utf-8"?>
+<p:sld xmlns:a="http://schemas.openxmlformats.org/drawingml/2006/main" xmlns:r="http://schemas.openxmlformats.org/officeDocument/2006/relationships" xmlns:p="http://schemas.openxmlformats.org/presentationml/2006/main">
+  <p:cSld>
+    <p:spTree>
+      <p:nvGrpSpPr>
+        <p:cNvPr id="1" name=""/>
+        <p:cNvGrpSpPr/>
+        <p:nvPr/>
+      </p:nvGrpSpPr>
+      <p:grpSpPr>
+        <a:xfrm>
+          <a:off x="0" y="0"/>
+          <a:ext cx="0" cy="0"/>
+          <a:chOff x="0" y="0"/>
+          <a:chExt cx="0" cy="0"/>
+        </a:xfrm>
+      </p:grpSpPr>
+      <p:sp>
+        <p:nvSpPr>
+          <p:cNvPr id="2" name="Title 1"/>
+          <p:cNvSpPr>
+            <a:spLocks noGrp="1"/>
+          </p:cNvSpPr>
+          <p:nvPr>
+            <p:ph type="title"/>
+          </p:nvPr>
+        </p:nvSpPr>
+        <p:spPr/>
+        <p:txBody>
           <a:bodyPr>
             <a:normAutofit/>
           </a:bodyPr>
@@ -5327,11 +5390,7 @@
             </a:r>
             <a:r>
               <a:rPr lang="en-US" dirty="0" smtClean="0"/>
-              <a:t>/</a:t>
-            </a:r>
-            <a:r>
-              <a:rPr lang="en-US" dirty="0" smtClean="0"/>
-              <a:t>*txt .</a:t>
+              <a:t>/*txt .</a:t>
             </a:r>
           </a:p>
           <a:p>
@@ -5363,7 +5422,7 @@
 </p:sld>
 </file>
 
-<file path=ppt/slides/slide18.xml><?xml version="1.0" encoding="utf-8"?>
+<file path=ppt/slides/slide19.xml><?xml version="1.0" encoding="utf-8"?>
 <p:sld xmlns:a="http://schemas.openxmlformats.org/drawingml/2006/main" xmlns:r="http://schemas.openxmlformats.org/officeDocument/2006/relationships" xmlns:p="http://schemas.openxmlformats.org/presentationml/2006/main">
   <p:cSld>
     <p:spTree>
@@ -5719,219 +5778,6 @@
 </p:sld>
 </file>
 
-<file path=ppt/slides/slide19.xml><?xml version="1.0" encoding="utf-8"?>
-<p:sld xmlns:a="http://schemas.openxmlformats.org/drawingml/2006/main" xmlns:r="http://schemas.openxmlformats.org/officeDocument/2006/relationships" xmlns:p="http://schemas.openxmlformats.org/presentationml/2006/main">
-  <p:cSld>
-    <p:spTree>
-      <p:nvGrpSpPr>
-        <p:cNvPr id="1" name=""/>
-        <p:cNvGrpSpPr/>
-        <p:nvPr/>
-      </p:nvGrpSpPr>
-      <p:grpSpPr>
-        <a:xfrm>
-          <a:off x="0" y="0"/>
-          <a:ext cx="0" cy="0"/>
-          <a:chOff x="0" y="0"/>
-          <a:chExt cx="0" cy="0"/>
-        </a:xfrm>
-      </p:grpSpPr>
-      <p:sp>
-        <p:nvSpPr>
-          <p:cNvPr id="2" name="Title 1"/>
-          <p:cNvSpPr>
-            <a:spLocks noGrp="1"/>
-          </p:cNvSpPr>
-          <p:nvPr>
-            <p:ph type="title"/>
-          </p:nvPr>
-        </p:nvSpPr>
-        <p:spPr/>
-        <p:txBody>
-          <a:bodyPr/>
-          <a:lstStyle/>
-          <a:p>
-            <a:r>
-              <a:rPr lang="en-US" dirty="0"/>
-              <a:t>c</a:t>
-            </a:r>
-            <a:r>
-              <a:rPr lang="en-US" dirty="0" smtClean="0"/>
-              <a:t>at, paste</a:t>
-            </a:r>
-            <a:endParaRPr lang="en-US" dirty="0"/>
-          </a:p>
-        </p:txBody>
-      </p:sp>
-      <p:sp>
-        <p:nvSpPr>
-          <p:cNvPr id="3" name="Content Placeholder 2"/>
-          <p:cNvSpPr>
-            <a:spLocks noGrp="1"/>
-          </p:cNvSpPr>
-          <p:nvPr>
-            <p:ph idx="1"/>
-          </p:nvPr>
-        </p:nvSpPr>
-        <p:spPr>
-          <a:xfrm>
-            <a:off x="825439" y="1512623"/>
-            <a:ext cx="7922138" cy="3845277"/>
-          </a:xfrm>
-        </p:spPr>
-        <p:txBody>
-          <a:bodyPr>
-            <a:normAutofit/>
-          </a:bodyPr>
-          <a:lstStyle/>
-          <a:p>
-            <a:r>
-              <a:rPr lang="en-US" dirty="0" smtClean="0"/>
-              <a:t>cat </a:t>
-            </a:r>
-            <a:r>
-              <a:rPr lang="en-US" dirty="0"/>
-              <a:t>and "&gt;"</a:t>
-            </a:r>
-          </a:p>
-          <a:p>
-            <a:pPr marL="0" indent="0">
-              <a:buNone/>
-            </a:pPr>
-            <a:r>
-              <a:rPr lang="en-US" sz="2000" dirty="0"/>
-              <a:t>cat </a:t>
-            </a:r>
-            <a:r>
-              <a:rPr lang="en-US" sz="2000" dirty="0" err="1" smtClean="0"/>
-              <a:t>adult.txt</a:t>
-            </a:r>
-            <a:r>
-              <a:rPr lang="en-US" sz="2000" dirty="0" smtClean="0"/>
-              <a:t> </a:t>
-            </a:r>
-            <a:r>
-              <a:rPr lang="en-US" sz="2000" dirty="0" err="1" smtClean="0"/>
-              <a:t>youth.txt</a:t>
-            </a:r>
-            <a:r>
-              <a:rPr lang="en-US" sz="2000" dirty="0" smtClean="0"/>
-              <a:t> </a:t>
-            </a:r>
-            <a:r>
-              <a:rPr lang="en-US" sz="2000" dirty="0"/>
-              <a:t>&gt; </a:t>
-            </a:r>
-            <a:r>
-              <a:rPr lang="en-US" sz="2000" dirty="0" err="1" smtClean="0"/>
-              <a:t>two.cat.txt</a:t>
-            </a:r>
-            <a:endParaRPr lang="en-US" sz="2000" dirty="0" smtClean="0"/>
-          </a:p>
-          <a:p>
-            <a:pPr marL="0" indent="0">
-              <a:buNone/>
-            </a:pPr>
-            <a:r>
-              <a:rPr lang="en-US" sz="2000" dirty="0" smtClean="0"/>
-              <a:t>less </a:t>
-            </a:r>
-            <a:r>
-              <a:rPr lang="en-US" sz="2000" dirty="0" err="1" smtClean="0"/>
-              <a:t>two.cat.txt</a:t>
-            </a:r>
-            <a:endParaRPr lang="en-US" sz="2000" dirty="0" smtClean="0"/>
-          </a:p>
-          <a:p>
-            <a:pPr marL="0" indent="0">
-              <a:buNone/>
-            </a:pPr>
-            <a:endParaRPr lang="en-US" dirty="0"/>
-          </a:p>
-          <a:p>
-            <a:endParaRPr lang="en-US" dirty="0"/>
-          </a:p>
-          <a:p>
-            <a:r>
-              <a:rPr lang="en-US" dirty="0" smtClean="0"/>
-              <a:t>paste</a:t>
-            </a:r>
-            <a:endParaRPr lang="en-US" dirty="0"/>
-          </a:p>
-          <a:p>
-            <a:pPr marL="0" indent="0">
-              <a:buNone/>
-            </a:pPr>
-            <a:r>
-              <a:rPr lang="en-US" sz="2000" dirty="0"/>
-              <a:t>paste </a:t>
-            </a:r>
-            <a:r>
-              <a:rPr lang="en-US" sz="2000" dirty="0" err="1" smtClean="0"/>
-              <a:t>adult.txt</a:t>
-            </a:r>
-            <a:r>
-              <a:rPr lang="en-US" sz="2000" dirty="0" smtClean="0"/>
-              <a:t> </a:t>
-            </a:r>
-            <a:r>
-              <a:rPr lang="en-US" sz="2000" dirty="0" err="1" smtClean="0"/>
-              <a:t>youth.txt</a:t>
-            </a:r>
-            <a:r>
-              <a:rPr lang="en-US" sz="2000" dirty="0" smtClean="0"/>
-              <a:t> </a:t>
-            </a:r>
-            <a:r>
-              <a:rPr lang="en-US" sz="2000" dirty="0"/>
-              <a:t>&gt; </a:t>
-            </a:r>
-            <a:r>
-              <a:rPr lang="en-US" sz="2000" dirty="0" err="1" smtClean="0"/>
-              <a:t>two.merge.txt</a:t>
-            </a:r>
-            <a:endParaRPr lang="en-US" sz="2000" dirty="0" smtClean="0"/>
-          </a:p>
-          <a:p>
-            <a:pPr marL="0" indent="0">
-              <a:buNone/>
-            </a:pPr>
-            <a:r>
-              <a:rPr lang="en-US" sz="2000" dirty="0"/>
-              <a:t>l</a:t>
-            </a:r>
-            <a:r>
-              <a:rPr lang="en-US" sz="2000" dirty="0" smtClean="0"/>
-              <a:t>ess </a:t>
-            </a:r>
-            <a:r>
-              <a:rPr lang="en-US" sz="2000" dirty="0" err="1" smtClean="0"/>
-              <a:t>two.merge.txt</a:t>
-            </a:r>
-            <a:endParaRPr lang="en-US" sz="2000" dirty="0"/>
-          </a:p>
-        </p:txBody>
-      </p:sp>
-    </p:spTree>
-    <p:extLst>
-      <p:ext uri="{BB962C8B-B14F-4D97-AF65-F5344CB8AC3E}">
-        <p14:creationId xmlns:p14="http://schemas.microsoft.com/office/powerpoint/2010/main" val="1478939649"/>
-      </p:ext>
-    </p:extLst>
-  </p:cSld>
-  <p:clrMapOvr>
-    <a:masterClrMapping/>
-  </p:clrMapOvr>
-  <p:timing>
-    <p:tnLst>
-      <p:par>
-        <p:cTn xmlns:p14="http://schemas.microsoft.com/office/powerpoint/2010/main" id="1" dur="indefinite" restart="never" nodeType="tmRoot"/>
-      </p:par>
-    </p:tnLst>
-  </p:timing>
-</p:sld>
-</file>
-
 <file path=ppt/slides/slide2.xml><?xml version="1.0" encoding="utf-8"?>
 <p:sld xmlns:a="http://schemas.openxmlformats.org/drawingml/2006/main" xmlns:r="http://schemas.openxmlformats.org/officeDocument/2006/relationships" xmlns:p="http://schemas.openxmlformats.org/presentationml/2006/main">
   <p:cSld>
@@ -6021,15 +5867,7 @@
                   <a:srgbClr val="D9D9D9"/>
                 </a:solidFill>
               </a:rPr>
-              <a:t>Familiar </a:t>
-            </a:r>
-            <a:r>
-              <a:rPr lang="en-US" sz="2800" dirty="0" smtClean="0">
-                <a:solidFill>
-                  <a:srgbClr val="D9D9D9"/>
-                </a:solidFill>
-              </a:rPr>
-              <a:t>to the UNIX environment and basic commands</a:t>
+              <a:t>Familiar to the UNIX environment and basic commands</a:t>
             </a:r>
           </a:p>
           <a:p>
@@ -6095,8 +5933,12 @@
           <a:lstStyle/>
           <a:p>
             <a:r>
-              <a:rPr lang="en-US" dirty="0" err="1" smtClean="0"/>
-              <a:t>wc</a:t>
+              <a:rPr lang="en-US" dirty="0"/>
+              <a:t>c</a:t>
+            </a:r>
+            <a:r>
+              <a:rPr lang="en-US" dirty="0" smtClean="0"/>
+              <a:t>at, paste</a:t>
             </a:r>
             <a:endParaRPr lang="en-US" dirty="0"/>
           </a:p>
@@ -6114,8 +5956,8 @@
         </p:nvSpPr>
         <p:spPr>
           <a:xfrm>
-            <a:off x="1794888" y="1571803"/>
-            <a:ext cx="5742759" cy="2748147"/>
+            <a:off x="825439" y="1512623"/>
+            <a:ext cx="7922138" cy="3845277"/>
           </a:xfrm>
         </p:spPr>
         <p:txBody>
@@ -6125,127 +5967,136 @@
           <a:lstStyle/>
           <a:p>
             <a:r>
-              <a:rPr lang="pl-PL" dirty="0" err="1"/>
-              <a:t>w</a:t>
-            </a:r>
-            <a:r>
-              <a:rPr lang="pl-PL" dirty="0" err="1" smtClean="0"/>
-              <a:t>c</a:t>
-            </a:r>
-            <a:r>
-              <a:rPr lang="pl-PL" dirty="0" smtClean="0"/>
-              <a:t> (lines, </a:t>
-            </a:r>
-            <a:r>
-              <a:rPr lang="pl-PL" dirty="0" err="1" smtClean="0"/>
-              <a:t>words</a:t>
-            </a:r>
-            <a:r>
-              <a:rPr lang="pl-PL" dirty="0" smtClean="0"/>
-              <a:t>, </a:t>
-            </a:r>
-            <a:r>
-              <a:rPr lang="pl-PL" dirty="0" err="1" smtClean="0"/>
-              <a:t>bytes</a:t>
-            </a:r>
-            <a:r>
-              <a:rPr lang="pl-PL" dirty="0" smtClean="0"/>
-              <a:t>)</a:t>
-            </a:r>
-            <a:endParaRPr lang="pl-PL" dirty="0"/>
+              <a:rPr lang="en-US" dirty="0" smtClean="0"/>
+              <a:t>cat </a:t>
+            </a:r>
+            <a:r>
+              <a:rPr lang="en-US" dirty="0"/>
+              <a:t>and "&gt;"</a:t>
+            </a:r>
           </a:p>
           <a:p>
             <a:pPr marL="0" indent="0">
               <a:buNone/>
             </a:pPr>
             <a:r>
-              <a:rPr lang="pl-PL" dirty="0" err="1"/>
-              <a:t>wc</a:t>
-            </a:r>
-            <a:r>
-              <a:rPr lang="pl-PL" dirty="0"/>
+              <a:rPr lang="en-US" sz="2000" dirty="0"/>
+              <a:t>cat </a:t>
+            </a:r>
+            <a:r>
+              <a:rPr lang="en-US" sz="2000" dirty="0" err="1" smtClean="0"/>
+              <a:t>adult.txt</a:t>
+            </a:r>
+            <a:r>
+              <a:rPr lang="en-US" sz="2000" dirty="0" smtClean="0"/>
               <a:t> </a:t>
             </a:r>
             <a:r>
-              <a:rPr lang="pl-PL" dirty="0" err="1" smtClean="0"/>
+              <a:rPr lang="en-US" sz="2000" dirty="0" err="1" smtClean="0"/>
+              <a:t>youth.txt</a:t>
+            </a:r>
+            <a:r>
+              <a:rPr lang="en-US" sz="2000" dirty="0" smtClean="0"/>
+              <a:t> </a:t>
+            </a:r>
+            <a:r>
+              <a:rPr lang="en-US" sz="2000" dirty="0"/>
+              <a:t>&gt; </a:t>
+            </a:r>
+            <a:r>
+              <a:rPr lang="en-US" sz="2000" dirty="0" err="1" smtClean="0"/>
+              <a:t>two.cat.txt</a:t>
+            </a:r>
+            <a:endParaRPr lang="en-US" sz="2000" dirty="0" smtClean="0"/>
+          </a:p>
+          <a:p>
+            <a:pPr marL="0" indent="0">
+              <a:buNone/>
+            </a:pPr>
+            <a:r>
+              <a:rPr lang="en-US" sz="2000" dirty="0" smtClean="0"/>
+              <a:t>less </a:t>
+            </a:r>
+            <a:r>
+              <a:rPr lang="en-US" sz="2000" dirty="0" err="1" smtClean="0"/>
+              <a:t>two.cat.txt</a:t>
+            </a:r>
+            <a:endParaRPr lang="en-US" sz="2000" dirty="0" smtClean="0"/>
+          </a:p>
+          <a:p>
+            <a:pPr marL="0" indent="0">
+              <a:buNone/>
+            </a:pPr>
+            <a:endParaRPr lang="en-US" dirty="0"/>
+          </a:p>
+          <a:p>
+            <a:endParaRPr lang="en-US" dirty="0"/>
+          </a:p>
+          <a:p>
+            <a:r>
+              <a:rPr lang="en-US" dirty="0" smtClean="0"/>
+              <a:t>paste</a:t>
+            </a:r>
+            <a:endParaRPr lang="en-US" dirty="0"/>
+          </a:p>
+          <a:p>
+            <a:pPr marL="0" indent="0">
+              <a:buNone/>
+            </a:pPr>
+            <a:r>
+              <a:rPr lang="en-US" sz="2000" dirty="0"/>
+              <a:t>paste </a:t>
+            </a:r>
+            <a:r>
+              <a:rPr lang="en-US" sz="2000" dirty="0" err="1" smtClean="0"/>
               <a:t>adult.txt</a:t>
             </a:r>
-            <a:endParaRPr lang="pl-PL" dirty="0"/>
+            <a:r>
+              <a:rPr lang="en-US" sz="2000" dirty="0" smtClean="0"/>
+              <a:t> </a:t>
+            </a:r>
+            <a:r>
+              <a:rPr lang="en-US" sz="2000" dirty="0" err="1" smtClean="0"/>
+              <a:t>youth.txt</a:t>
+            </a:r>
+            <a:r>
+              <a:rPr lang="en-US" sz="2000" dirty="0" smtClean="0"/>
+              <a:t> </a:t>
+            </a:r>
+            <a:r>
+              <a:rPr lang="en-US" sz="2000" dirty="0"/>
+              <a:t>&gt; </a:t>
+            </a:r>
+            <a:r>
+              <a:rPr lang="en-US" sz="2000" dirty="0" err="1" smtClean="0"/>
+              <a:t>two.merge.txt</a:t>
+            </a:r>
+            <a:endParaRPr lang="en-US" sz="2000" dirty="0" smtClean="0"/>
           </a:p>
           <a:p>
             <a:pPr marL="0" indent="0">
               <a:buNone/>
             </a:pPr>
             <a:r>
-              <a:rPr lang="pl-PL" dirty="0" err="1"/>
-              <a:t>wc</a:t>
-            </a:r>
-            <a:r>
-              <a:rPr lang="pl-PL" dirty="0"/>
-              <a:t> -l </a:t>
-            </a:r>
-            <a:r>
-              <a:rPr lang="pl-PL" dirty="0" err="1" smtClean="0"/>
-              <a:t>adult.txt</a:t>
-            </a:r>
-            <a:endParaRPr lang="pl-PL" dirty="0"/>
-          </a:p>
-          <a:p>
-            <a:pPr marL="0" indent="0">
-              <a:buNone/>
-            </a:pPr>
-            <a:r>
-              <a:rPr lang="pl-PL" dirty="0" err="1"/>
-              <a:t>wc</a:t>
-            </a:r>
-            <a:r>
-              <a:rPr lang="pl-PL" dirty="0"/>
-              <a:t> -l </a:t>
-            </a:r>
-            <a:r>
-              <a:rPr lang="pl-PL" dirty="0" err="1" smtClean="0"/>
-              <a:t>two.cat.txt</a:t>
-            </a:r>
-            <a:endParaRPr lang="pl-PL" dirty="0" smtClean="0"/>
-          </a:p>
-          <a:p>
-            <a:pPr marL="0" indent="0">
-              <a:buNone/>
-            </a:pPr>
-            <a:endParaRPr lang="pl-PL" dirty="0"/>
-          </a:p>
-          <a:p>
-            <a:pPr marL="0" indent="0">
-              <a:buNone/>
-            </a:pPr>
-            <a:r>
-              <a:rPr lang="pl-PL" dirty="0" err="1"/>
-              <a:t>w</a:t>
-            </a:r>
-            <a:r>
-              <a:rPr lang="pl-PL" dirty="0" err="1" smtClean="0"/>
-              <a:t>c</a:t>
-            </a:r>
-            <a:r>
-              <a:rPr lang="pl-PL" dirty="0" smtClean="0"/>
-              <a:t> –L (</a:t>
-            </a:r>
-            <a:r>
-              <a:rPr lang="en-US" dirty="0"/>
-              <a:t>print the length of the longest line</a:t>
-            </a:r>
-            <a:r>
-              <a:rPr lang="pl-PL" dirty="0" smtClean="0"/>
-              <a:t>) </a:t>
-            </a:r>
-            <a:endParaRPr lang="en-US" dirty="0"/>
+              <a:rPr lang="en-US" sz="2000" dirty="0"/>
+              <a:t>l</a:t>
+            </a:r>
+            <a:r>
+              <a:rPr lang="en-US" sz="2000" dirty="0" smtClean="0"/>
+              <a:t>ess </a:t>
+            </a:r>
+            <a:r>
+              <a:rPr lang="en-US" sz="2000" dirty="0" err="1" smtClean="0"/>
+              <a:t>two.merge.txt</a:t>
+            </a:r>
+            <a:endParaRPr lang="en-US" sz="2000" dirty="0"/>
           </a:p>
         </p:txBody>
       </p:sp>
     </p:spTree>
     <p:extLst>
       <p:ext uri="{BB962C8B-B14F-4D97-AF65-F5344CB8AC3E}">
-        <p14:creationId xmlns:p14="http://schemas.microsoft.com/office/powerpoint/2010/main" val="2990311503"/>
+        <p14:creationId xmlns:p14="http://schemas.microsoft.com/office/powerpoint/2010/main" val="1478939649"/>
       </p:ext>
     </p:extLst>
   </p:cSld>
@@ -6296,7 +6147,7 @@
           <a:p>
             <a:r>
               <a:rPr lang="en-US" dirty="0" err="1" smtClean="0"/>
-              <a:t>grep</a:t>
+              <a:t>wc</a:t>
             </a:r>
             <a:endParaRPr lang="en-US" dirty="0"/>
           </a:p>
@@ -6314,8 +6165,8 @@
         </p:nvSpPr>
         <p:spPr>
           <a:xfrm>
-            <a:off x="1239213" y="1460022"/>
-            <a:ext cx="7596908" cy="4656852"/>
+            <a:off x="1794888" y="1571803"/>
+            <a:ext cx="5742759" cy="2748147"/>
           </a:xfrm>
         </p:spPr>
         <p:txBody>
@@ -6325,150 +6176,118 @@
           <a:lstStyle/>
           <a:p>
             <a:r>
-              <a:rPr lang="en-US" dirty="0" err="1" smtClean="0"/>
-              <a:t>grep</a:t>
-            </a:r>
-            <a:endParaRPr lang="en-US" dirty="0"/>
+              <a:rPr lang="pl-PL" dirty="0" err="1"/>
+              <a:t>w</a:t>
+            </a:r>
+            <a:r>
+              <a:rPr lang="pl-PL" dirty="0" err="1" smtClean="0"/>
+              <a:t>c</a:t>
+            </a:r>
+            <a:r>
+              <a:rPr lang="pl-PL" dirty="0" smtClean="0"/>
+              <a:t> (lines, </a:t>
+            </a:r>
+            <a:r>
+              <a:rPr lang="pl-PL" dirty="0" err="1" smtClean="0"/>
+              <a:t>words</a:t>
+            </a:r>
+            <a:r>
+              <a:rPr lang="pl-PL" dirty="0" smtClean="0"/>
+              <a:t>, </a:t>
+            </a:r>
+            <a:r>
+              <a:rPr lang="pl-PL" dirty="0" err="1" smtClean="0"/>
+              <a:t>bytes</a:t>
+            </a:r>
+            <a:r>
+              <a:rPr lang="pl-PL" dirty="0" smtClean="0"/>
+              <a:t>)</a:t>
+            </a:r>
+            <a:endParaRPr lang="pl-PL" dirty="0"/>
           </a:p>
           <a:p>
             <a:pPr marL="0" indent="0">
               <a:buNone/>
             </a:pPr>
             <a:r>
-              <a:rPr lang="en-US" dirty="0" err="1"/>
-              <a:t>grep</a:t>
+              <a:rPr lang="pl-PL" dirty="0" err="1"/>
+              <a:t>wc</a:t>
+            </a:r>
+            <a:r>
+              <a:rPr lang="pl-PL" dirty="0"/>
+              <a:t> </a:t>
+            </a:r>
+            <a:r>
+              <a:rPr lang="pl-PL" dirty="0" err="1" smtClean="0"/>
+              <a:t>adult.txt</a:t>
+            </a:r>
+            <a:endParaRPr lang="pl-PL" dirty="0"/>
+          </a:p>
+          <a:p>
+            <a:pPr marL="0" indent="0">
+              <a:buNone/>
+            </a:pPr>
+            <a:r>
+              <a:rPr lang="pl-PL" dirty="0" err="1"/>
+              <a:t>wc</a:t>
+            </a:r>
+            <a:r>
+              <a:rPr lang="pl-PL" dirty="0"/>
+              <a:t> -l </a:t>
+            </a:r>
+            <a:r>
+              <a:rPr lang="pl-PL" dirty="0" err="1" smtClean="0"/>
+              <a:t>adult.txt</a:t>
+            </a:r>
+            <a:endParaRPr lang="pl-PL" dirty="0"/>
+          </a:p>
+          <a:p>
+            <a:pPr marL="0" indent="0">
+              <a:buNone/>
+            </a:pPr>
+            <a:r>
+              <a:rPr lang="pl-PL" dirty="0" err="1"/>
+              <a:t>wc</a:t>
+            </a:r>
+            <a:r>
+              <a:rPr lang="pl-PL" dirty="0"/>
+              <a:t> -l </a:t>
+            </a:r>
+            <a:r>
+              <a:rPr lang="pl-PL" dirty="0" err="1" smtClean="0"/>
+              <a:t>two.cat.txt</a:t>
+            </a:r>
+            <a:endParaRPr lang="pl-PL" dirty="0" smtClean="0"/>
+          </a:p>
+          <a:p>
+            <a:pPr marL="0" indent="0">
+              <a:buNone/>
+            </a:pPr>
+            <a:endParaRPr lang="pl-PL" dirty="0"/>
+          </a:p>
+          <a:p>
+            <a:pPr marL="0" indent="0">
+              <a:buNone/>
+            </a:pPr>
+            <a:r>
+              <a:rPr lang="pl-PL" dirty="0" err="1"/>
+              <a:t>w</a:t>
+            </a:r>
+            <a:r>
+              <a:rPr lang="pl-PL" dirty="0" err="1" smtClean="0"/>
+              <a:t>c</a:t>
+            </a:r>
+            <a:r>
+              <a:rPr lang="pl-PL" dirty="0" smtClean="0"/>
+              <a:t> –L (</a:t>
             </a:r>
             <a:r>
               <a:rPr lang="en-US" dirty="0"/>
-              <a:t> "Kansas" </a:t>
-            </a:r>
-            <a:r>
-              <a:rPr lang="en-US" dirty="0" err="1" smtClean="0"/>
-              <a:t>adult.txt</a:t>
-            </a:r>
-            <a:endParaRPr lang="en-US" dirty="0"/>
-          </a:p>
-          <a:p>
-            <a:pPr marL="0" indent="0">
-              <a:buNone/>
-            </a:pPr>
-            <a:endParaRPr lang="en-US" dirty="0" smtClean="0"/>
-          </a:p>
-          <a:p>
-            <a:pPr marL="0" indent="0">
-              <a:buNone/>
-            </a:pPr>
-            <a:r>
-              <a:rPr lang="en-US" dirty="0" err="1" smtClean="0"/>
-              <a:t>grep</a:t>
-            </a:r>
-            <a:r>
-              <a:rPr lang="en-US" dirty="0" smtClean="0"/>
-              <a:t> </a:t>
-            </a:r>
-            <a:r>
-              <a:rPr lang="en-US" dirty="0"/>
-              <a:t>"#" </a:t>
-            </a:r>
-            <a:r>
-              <a:rPr lang="en-US" dirty="0" err="1" smtClean="0"/>
-              <a:t>adult.txt</a:t>
-            </a:r>
-            <a:endParaRPr lang="en-US" dirty="0"/>
-          </a:p>
-          <a:p>
-            <a:pPr marL="0" indent="0">
-              <a:buNone/>
-            </a:pPr>
-            <a:endParaRPr lang="en-US" dirty="0" smtClean="0"/>
-          </a:p>
-          <a:p>
-            <a:pPr marL="0" indent="0">
-              <a:buNone/>
-            </a:pPr>
-            <a:r>
-              <a:rPr lang="en-US" dirty="0" err="1" smtClean="0"/>
-              <a:t>grep</a:t>
-            </a:r>
-            <a:r>
-              <a:rPr lang="en-US" dirty="0" smtClean="0"/>
-              <a:t> </a:t>
-            </a:r>
-            <a:r>
-              <a:rPr lang="en-US" dirty="0"/>
-              <a:t>"^#" </a:t>
-            </a:r>
-            <a:r>
-              <a:rPr lang="en-US" dirty="0" err="1" smtClean="0"/>
-              <a:t>adult.txt</a:t>
-            </a:r>
-            <a:endParaRPr lang="en-US" dirty="0"/>
-          </a:p>
-          <a:p>
-            <a:pPr marL="0" indent="0">
-              <a:buNone/>
-            </a:pPr>
-            <a:endParaRPr lang="en-US" dirty="0" smtClean="0"/>
-          </a:p>
-          <a:p>
-            <a:pPr marL="0" indent="0">
-              <a:buNone/>
-            </a:pPr>
-            <a:r>
-              <a:rPr lang="en-US" dirty="0" err="1" smtClean="0"/>
-              <a:t>grep</a:t>
-            </a:r>
-            <a:r>
-              <a:rPr lang="en-US" dirty="0" smtClean="0"/>
-              <a:t> </a:t>
-            </a:r>
-            <a:r>
-              <a:rPr lang="en-US" dirty="0"/>
-              <a:t>"^#" -c </a:t>
-            </a:r>
-            <a:r>
-              <a:rPr lang="en-US" dirty="0" err="1" smtClean="0"/>
-              <a:t>adult.txt</a:t>
-            </a:r>
-            <a:endParaRPr lang="en-US" dirty="0"/>
-          </a:p>
-          <a:p>
-            <a:pPr marL="0" indent="0">
-              <a:buNone/>
-            </a:pPr>
-            <a:endParaRPr lang="en-US" dirty="0" smtClean="0"/>
-          </a:p>
-          <a:p>
-            <a:pPr marL="0" indent="0">
-              <a:buNone/>
-            </a:pPr>
-            <a:r>
-              <a:rPr lang="en-US" dirty="0" err="1" smtClean="0"/>
-              <a:t>grep</a:t>
-            </a:r>
-            <a:r>
-              <a:rPr lang="en-US" dirty="0" smtClean="0"/>
-              <a:t> </a:t>
-            </a:r>
-            <a:r>
-              <a:rPr lang="en-US" dirty="0"/>
-              <a:t>"#" -v </a:t>
-            </a:r>
-            <a:r>
-              <a:rPr lang="en-US" dirty="0" err="1" smtClean="0"/>
-              <a:t>adult.txt</a:t>
-            </a:r>
-            <a:r>
-              <a:rPr lang="en-US" dirty="0" smtClean="0"/>
-              <a:t> </a:t>
-            </a:r>
-            <a:r>
-              <a:rPr lang="en-US" dirty="0"/>
-              <a:t>&gt; </a:t>
-            </a:r>
-            <a:r>
-              <a:rPr lang="en-US" dirty="0" err="1" smtClean="0"/>
-              <a:t>adult.cig.nocomments.txt</a:t>
+              <a:t>print the length of the longest line</a:t>
+            </a:r>
+            <a:r>
+              <a:rPr lang="pl-PL" dirty="0" smtClean="0"/>
+              <a:t>) </a:t>
             </a:r>
             <a:endParaRPr lang="en-US" dirty="0"/>
           </a:p>
@@ -6477,7 +6296,7 @@
     </p:spTree>
     <p:extLst>
       <p:ext uri="{BB962C8B-B14F-4D97-AF65-F5344CB8AC3E}">
-        <p14:creationId xmlns:p14="http://schemas.microsoft.com/office/powerpoint/2010/main" val="3949678758"/>
+        <p14:creationId xmlns:p14="http://schemas.microsoft.com/office/powerpoint/2010/main" val="2990311503"/>
       </p:ext>
     </p:extLst>
   </p:cSld>
@@ -6527,8 +6346,8 @@
           <a:lstStyle/>
           <a:p>
             <a:r>
-              <a:rPr lang="en-US" dirty="0" smtClean="0"/>
-              <a:t>Pipe (1)</a:t>
+              <a:rPr lang="en-US" dirty="0" err="1" smtClean="0"/>
+              <a:t>grep</a:t>
             </a:r>
             <a:endParaRPr lang="en-US" dirty="0"/>
           </a:p>
@@ -6544,35 +6363,22 @@
             <p:ph idx="1"/>
           </p:nvPr>
         </p:nvSpPr>
-        <p:spPr/>
-        <p:txBody>
-          <a:bodyPr/>
-          <a:lstStyle/>
-          <a:p>
-            <a:pPr marL="0" indent="0">
-              <a:buNone/>
-            </a:pPr>
+        <p:spPr>
+          <a:xfrm>
+            <a:off x="1239213" y="1460022"/>
+            <a:ext cx="7596908" cy="4656852"/>
+          </a:xfrm>
+        </p:spPr>
+        <p:txBody>
+          <a:bodyPr>
+            <a:normAutofit/>
+          </a:bodyPr>
+          <a:lstStyle/>
+          <a:p>
             <a:r>
               <a:rPr lang="en-US" dirty="0" err="1" smtClean="0"/>
-              <a:t>ls</a:t>
-            </a:r>
-            <a:r>
-              <a:rPr lang="en-US" dirty="0" smtClean="0"/>
-              <a:t> </a:t>
-            </a:r>
-            <a:r>
-              <a:rPr lang="en-US" dirty="0"/>
-              <a:t>-</a:t>
-            </a:r>
-            <a:r>
-              <a:rPr lang="en-US" dirty="0" smtClean="0"/>
-              <a:t>1</a:t>
-            </a:r>
-          </a:p>
-          <a:p>
-            <a:pPr marL="0" indent="0">
-              <a:buNone/>
-            </a:pPr>
+              <a:t>grep</a:t>
+            </a:r>
             <a:endParaRPr lang="en-US" dirty="0"/>
           </a:p>
           <a:p>
@@ -6591,14 +6397,7 @@
               <a:rPr lang="en-US" dirty="0" err="1" smtClean="0"/>
               <a:t>adult.txt</a:t>
             </a:r>
-            <a:r>
-              <a:rPr lang="en-US" dirty="0" smtClean="0"/>
-              <a:t> </a:t>
-            </a:r>
-            <a:r>
-              <a:rPr lang="en-US" dirty="0"/>
-              <a:t>| cut -f 2 | head</a:t>
-            </a:r>
+            <a:endParaRPr lang="en-US" dirty="0"/>
           </a:p>
           <a:p>
             <a:pPr marL="0" indent="0">
@@ -6620,63 +6419,13 @@
             </a:r>
             <a:r>
               <a:rPr lang="en-US" dirty="0"/>
-              <a:t>"#" -v </a:t>
-            </a:r>
-            <a:r>
-              <a:rPr lang="en-US" dirty="0" err="1"/>
-              <a:t>two.merge.txt</a:t>
-            </a:r>
-            <a:r>
-              <a:rPr lang="en-US" dirty="0"/>
-              <a:t> | cut -f 1,2,4 | </a:t>
-            </a:r>
-            <a:r>
-              <a:rPr lang="en-US" dirty="0" smtClean="0"/>
-              <a:t>head</a:t>
-            </a:r>
-          </a:p>
-          <a:p>
-            <a:pPr marL="0" indent="0">
-              <a:buNone/>
-            </a:pPr>
-            <a:endParaRPr lang="en-US" dirty="0"/>
-          </a:p>
-          <a:p>
-            <a:pPr marL="0" indent="0">
-              <a:buNone/>
-            </a:pPr>
-            <a:r>
-              <a:rPr lang="en-US" dirty="0"/>
-              <a:t>paste </a:t>
+              <a:t>"#" </a:t>
             </a:r>
             <a:r>
               <a:rPr lang="en-US" dirty="0" err="1" smtClean="0"/>
               <a:t>adult.txt</a:t>
             </a:r>
-            <a:r>
-              <a:rPr lang="en-US" dirty="0" smtClean="0"/>
-              <a:t> </a:t>
-            </a:r>
-            <a:r>
-              <a:rPr lang="en-US" dirty="0" err="1" smtClean="0"/>
-              <a:t>youth.txt</a:t>
-            </a:r>
-            <a:r>
-              <a:rPr lang="en-US" dirty="0" smtClean="0"/>
-              <a:t> </a:t>
-            </a:r>
-            <a:r>
-              <a:rPr lang="en-US" dirty="0"/>
-              <a:t>| </a:t>
-            </a:r>
-            <a:r>
-              <a:rPr lang="en-US" dirty="0" err="1"/>
-              <a:t>grep</a:t>
-            </a:r>
-            <a:r>
-              <a:rPr lang="en-US" dirty="0"/>
-              <a:t> "#" -v | cut -f 1,2,4 | head</a:t>
-            </a:r>
+            <a:endParaRPr lang="en-US" dirty="0"/>
           </a:p>
           <a:p>
             <a:pPr marL="0" indent="0">
@@ -6698,27 +6447,88 @@
             </a:r>
             <a:r>
               <a:rPr lang="en-US" dirty="0"/>
-              <a:t>"#" -v </a:t>
+              <a:t>"^#" </a:t>
             </a:r>
             <a:r>
               <a:rPr lang="en-US" dirty="0" err="1" smtClean="0"/>
               <a:t>adult.txt</a:t>
             </a:r>
+            <a:endParaRPr lang="en-US" dirty="0"/>
+          </a:p>
+          <a:p>
+            <a:pPr marL="0" indent="0">
+              <a:buNone/>
+            </a:pPr>
+            <a:endParaRPr lang="en-US" dirty="0" smtClean="0"/>
+          </a:p>
+          <a:p>
+            <a:pPr marL="0" indent="0">
+              <a:buNone/>
+            </a:pPr>
+            <a:r>
+              <a:rPr lang="en-US" dirty="0" err="1" smtClean="0"/>
+              <a:t>grep</a:t>
+            </a:r>
             <a:r>
               <a:rPr lang="en-US" dirty="0" smtClean="0"/>
               <a:t> </a:t>
             </a:r>
             <a:r>
               <a:rPr lang="en-US" dirty="0"/>
-              <a:t>| cut -f 2 | sort | head</a:t>
-            </a:r>
+              <a:t>"^#" -c </a:t>
+            </a:r>
+            <a:r>
+              <a:rPr lang="en-US" dirty="0" err="1" smtClean="0"/>
+              <a:t>adult.txt</a:t>
+            </a:r>
+            <a:endParaRPr lang="en-US" dirty="0"/>
+          </a:p>
+          <a:p>
+            <a:pPr marL="0" indent="0">
+              <a:buNone/>
+            </a:pPr>
+            <a:endParaRPr lang="en-US" dirty="0" smtClean="0"/>
+          </a:p>
+          <a:p>
+            <a:pPr marL="0" indent="0">
+              <a:buNone/>
+            </a:pPr>
+            <a:r>
+              <a:rPr lang="en-US" dirty="0" err="1" smtClean="0"/>
+              <a:t>grep</a:t>
+            </a:r>
+            <a:r>
+              <a:rPr lang="en-US" dirty="0" smtClean="0"/>
+              <a:t> </a:t>
+            </a:r>
+            <a:r>
+              <a:rPr lang="en-US" dirty="0"/>
+              <a:t>"#" -v </a:t>
+            </a:r>
+            <a:r>
+              <a:rPr lang="en-US" dirty="0" err="1" smtClean="0"/>
+              <a:t>adult.txt</a:t>
+            </a:r>
+            <a:r>
+              <a:rPr lang="en-US" dirty="0" smtClean="0"/>
+              <a:t> </a:t>
+            </a:r>
+            <a:r>
+              <a:rPr lang="en-US" dirty="0"/>
+              <a:t>&gt; </a:t>
+            </a:r>
+            <a:r>
+              <a:rPr lang="en-US" dirty="0" err="1" smtClean="0"/>
+              <a:t>adult.cig.nocomments.txt</a:t>
+            </a:r>
+            <a:endParaRPr lang="en-US" dirty="0"/>
           </a:p>
         </p:txBody>
       </p:sp>
     </p:spTree>
     <p:extLst>
       <p:ext uri="{BB962C8B-B14F-4D97-AF65-F5344CB8AC3E}">
-        <p14:creationId xmlns:p14="http://schemas.microsoft.com/office/powerpoint/2010/main" val="1062812811"/>
+        <p14:creationId xmlns:p14="http://schemas.microsoft.com/office/powerpoint/2010/main" val="3949678758"/>
       </p:ext>
     </p:extLst>
   </p:cSld>
@@ -6769,7 +6579,7 @@
           <a:p>
             <a:r>
               <a:rPr lang="en-US" dirty="0" smtClean="0"/>
-              <a:t>Pipe (2)</a:t>
+              <a:t>Pipe (1)</a:t>
             </a:r>
             <a:endParaRPr lang="en-US" dirty="0"/>
           </a:p>
@@ -6785,12 +6595,7 @@
             <p:ph idx="1"/>
           </p:nvPr>
         </p:nvSpPr>
-        <p:spPr>
-          <a:xfrm>
-            <a:off x="547380" y="1567888"/>
-            <a:ext cx="8305409" cy="1823853"/>
-          </a:xfrm>
-        </p:spPr>
+        <p:spPr/>
         <p:txBody>
           <a:bodyPr/>
           <a:lstStyle/>
@@ -6799,8 +6604,39 @@
               <a:buNone/>
             </a:pPr>
             <a:r>
+              <a:rPr lang="en-US" dirty="0" err="1" smtClean="0"/>
+              <a:t>ls</a:t>
+            </a:r>
+            <a:r>
+              <a:rPr lang="en-US" dirty="0" smtClean="0"/>
+              <a:t> </a:t>
+            </a:r>
+            <a:r>
               <a:rPr lang="en-US" dirty="0"/>
-              <a:t>cat </a:t>
+              <a:t>-</a:t>
+            </a:r>
+            <a:r>
+              <a:rPr lang="en-US" dirty="0" smtClean="0"/>
+              <a:t>1</a:t>
+            </a:r>
+          </a:p>
+          <a:p>
+            <a:pPr marL="0" indent="0">
+              <a:buNone/>
+            </a:pPr>
+            <a:endParaRPr lang="en-US" dirty="0"/>
+          </a:p>
+          <a:p>
+            <a:pPr marL="0" indent="0">
+              <a:buNone/>
+            </a:pPr>
+            <a:r>
+              <a:rPr lang="en-US" dirty="0" err="1"/>
+              <a:t>grep</a:t>
+            </a:r>
+            <a:r>
+              <a:rPr lang="en-US" dirty="0"/>
+              <a:t> "Kansas" </a:t>
             </a:r>
             <a:r>
               <a:rPr lang="en-US" dirty="0" err="1" smtClean="0"/>
@@ -6811,6 +6647,68 @@
               <a:t> </a:t>
             </a:r>
             <a:r>
+              <a:rPr lang="en-US" dirty="0"/>
+              <a:t>| cut -f 2 | head</a:t>
+            </a:r>
+          </a:p>
+          <a:p>
+            <a:pPr marL="0" indent="0">
+              <a:buNone/>
+            </a:pPr>
+            <a:endParaRPr lang="en-US" dirty="0" smtClean="0"/>
+          </a:p>
+          <a:p>
+            <a:pPr marL="0" indent="0">
+              <a:buNone/>
+            </a:pPr>
+            <a:r>
+              <a:rPr lang="en-US" dirty="0" err="1" smtClean="0"/>
+              <a:t>grep</a:t>
+            </a:r>
+            <a:r>
+              <a:rPr lang="en-US" dirty="0" smtClean="0"/>
+              <a:t> </a:t>
+            </a:r>
+            <a:r>
+              <a:rPr lang="en-US" dirty="0"/>
+              <a:t>"#" -v </a:t>
+            </a:r>
+            <a:r>
+              <a:rPr lang="en-US" dirty="0" err="1"/>
+              <a:t>two.merge.txt</a:t>
+            </a:r>
+            <a:r>
+              <a:rPr lang="en-US" dirty="0"/>
+              <a:t> | cut -f 1,2,4 | </a:t>
+            </a:r>
+            <a:r>
+              <a:rPr lang="en-US" dirty="0" smtClean="0"/>
+              <a:t>head</a:t>
+            </a:r>
+          </a:p>
+          <a:p>
+            <a:pPr marL="0" indent="0">
+              <a:buNone/>
+            </a:pPr>
+            <a:endParaRPr lang="en-US" dirty="0"/>
+          </a:p>
+          <a:p>
+            <a:pPr marL="0" indent="0">
+              <a:buNone/>
+            </a:pPr>
+            <a:r>
+              <a:rPr lang="en-US" dirty="0"/>
+              <a:t>paste </a:t>
+            </a:r>
+            <a:r>
+              <a:rPr lang="en-US" dirty="0" err="1" smtClean="0"/>
+              <a:t>adult.txt</a:t>
+            </a:r>
+            <a:r>
+              <a:rPr lang="en-US" dirty="0" smtClean="0"/>
+              <a:t> </a:t>
+            </a:r>
+            <a:r>
               <a:rPr lang="en-US" dirty="0" err="1" smtClean="0"/>
               <a:t>youth.txt</a:t>
             </a:r>
@@ -6820,74 +6718,58 @@
             </a:r>
             <a:r>
               <a:rPr lang="en-US" dirty="0"/>
-              <a:t>&gt; </a:t>
+              <a:t>| </a:t>
             </a:r>
             <a:r>
               <a:rPr lang="en-US" dirty="0" err="1"/>
-              <a:t>two.cat.txt</a:t>
-            </a:r>
-            <a:endParaRPr lang="en-US" dirty="0"/>
+              <a:t>grep</a:t>
+            </a:r>
+            <a:r>
+              <a:rPr lang="en-US" dirty="0"/>
+              <a:t> "#" -v | cut -f 1,2,4 | head</a:t>
+            </a:r>
           </a:p>
           <a:p>
             <a:pPr marL="0" indent="0">
               <a:buNone/>
             </a:pPr>
+            <a:endParaRPr lang="en-US" dirty="0" smtClean="0"/>
+          </a:p>
+          <a:p>
+            <a:pPr marL="0" indent="0">
+              <a:buNone/>
+            </a:pPr>
+            <a:r>
+              <a:rPr lang="en-US" dirty="0" err="1" smtClean="0"/>
+              <a:t>grep</a:t>
+            </a:r>
+            <a:r>
+              <a:rPr lang="en-US" dirty="0" smtClean="0"/>
+              <a:t> </a:t>
+            </a:r>
             <a:r>
               <a:rPr lang="en-US" dirty="0"/>
-              <a:t>less </a:t>
+              <a:t>"#" -v </a:t>
             </a:r>
             <a:r>
               <a:rPr lang="en-US" dirty="0" err="1" smtClean="0"/>
-              <a:t>two.cat.txt</a:t>
-            </a:r>
-            <a:endParaRPr lang="en-US" dirty="0" smtClean="0"/>
-          </a:p>
-          <a:p>
-            <a:pPr marL="0" indent="0">
-              <a:buNone/>
-            </a:pPr>
-            <a:endParaRPr lang="en-US" dirty="0"/>
-          </a:p>
-          <a:p>
-            <a:pPr marL="0" indent="0">
-              <a:buNone/>
-            </a:pPr>
-            <a:r>
-              <a:rPr lang="en-US" dirty="0" smtClean="0"/>
-              <a:t>cut </a:t>
-            </a:r>
-            <a:r>
-              <a:rPr lang="en-US" dirty="0" err="1" smtClean="0"/>
-              <a:t>two.cat.txt</a:t>
-            </a:r>
-            <a:r>
-              <a:rPr lang="en-US" dirty="0" smtClean="0"/>
-              <a:t> -</a:t>
+              <a:t>adult.txt</a:t>
+            </a:r>
+            <a:r>
+              <a:rPr lang="en-US" dirty="0" smtClean="0"/>
+              <a:t> </a:t>
             </a:r>
             <a:r>
               <a:rPr lang="en-US" dirty="0"/>
-              <a:t>f </a:t>
-            </a:r>
-            <a:r>
-              <a:rPr lang="en-US" dirty="0" smtClean="0"/>
-              <a:t>2 </a:t>
-            </a:r>
-            <a:r>
-              <a:rPr lang="en-US" dirty="0"/>
-              <a:t>| sort | </a:t>
-            </a:r>
-            <a:r>
-              <a:rPr lang="en-US" dirty="0" err="1" smtClean="0"/>
-              <a:t>uniq</a:t>
-            </a:r>
-            <a:endParaRPr lang="en-US" dirty="0"/>
+              <a:t>| cut -f 2 | sort | head</a:t>
+            </a:r>
           </a:p>
         </p:txBody>
       </p:sp>
     </p:spTree>
     <p:extLst>
       <p:ext uri="{BB962C8B-B14F-4D97-AF65-F5344CB8AC3E}">
-        <p14:creationId xmlns:p14="http://schemas.microsoft.com/office/powerpoint/2010/main" val="3698898899"/>
+        <p14:creationId xmlns:p14="http://schemas.microsoft.com/office/powerpoint/2010/main" val="1062812811"/>
       </p:ext>
     </p:extLst>
   </p:cSld>
@@ -6937,16 +6819,8 @@
           <a:lstStyle/>
           <a:p>
             <a:r>
-              <a:rPr lang="en-US" dirty="0"/>
-              <a:t>d</a:t>
-            </a:r>
-            <a:r>
-              <a:rPr lang="en-US" dirty="0" smtClean="0"/>
-              <a:t>ate and </a:t>
-            </a:r>
-            <a:r>
-              <a:rPr lang="en-US" dirty="0" err="1" smtClean="0"/>
-              <a:t>cal</a:t>
+              <a:rPr lang="en-US" dirty="0" smtClean="0"/>
+              <a:t>Pipe (2)</a:t>
             </a:r>
             <a:endParaRPr lang="en-US" dirty="0"/>
           </a:p>
@@ -6964,33 +6838,46 @@
         </p:nvSpPr>
         <p:spPr>
           <a:xfrm>
-            <a:off x="2922153" y="1384875"/>
-            <a:ext cx="3262775" cy="3830247"/>
+            <a:off x="547380" y="1567888"/>
+            <a:ext cx="8305409" cy="1823853"/>
           </a:xfrm>
         </p:spPr>
         <p:txBody>
-          <a:bodyPr>
-            <a:normAutofit/>
-          </a:bodyPr>
-          <a:lstStyle/>
-          <a:p>
-            <a:r>
-              <a:rPr lang="en-US" dirty="0" smtClean="0"/>
-              <a:t>date</a:t>
-            </a:r>
-          </a:p>
+          <a:bodyPr/>
+          <a:lstStyle/>
           <a:p>
             <a:pPr marL="0" indent="0">
               <a:buNone/>
             </a:pPr>
             <a:r>
               <a:rPr lang="en-US" dirty="0"/>
-              <a:t>d</a:t>
-            </a:r>
-            <a:r>
-              <a:rPr lang="en-US" dirty="0" smtClean="0"/>
-              <a:t>ate</a:t>
-            </a:r>
+              <a:t>cat </a:t>
+            </a:r>
+            <a:r>
+              <a:rPr lang="en-US" dirty="0" err="1" smtClean="0"/>
+              <a:t>adult.txt</a:t>
+            </a:r>
+            <a:r>
+              <a:rPr lang="en-US" dirty="0" smtClean="0"/>
+              <a:t> </a:t>
+            </a:r>
+            <a:r>
+              <a:rPr lang="en-US" dirty="0" err="1" smtClean="0"/>
+              <a:t>youth.txt</a:t>
+            </a:r>
+            <a:r>
+              <a:rPr lang="en-US" dirty="0" smtClean="0"/>
+              <a:t> </a:t>
+            </a:r>
+            <a:r>
+              <a:rPr lang="en-US" dirty="0"/>
+              <a:t>&gt; </a:t>
+            </a:r>
+            <a:r>
+              <a:rPr lang="en-US" dirty="0" err="1"/>
+              <a:t>two.cat.txt</a:t>
+            </a:r>
+            <a:endParaRPr lang="en-US" dirty="0"/>
           </a:p>
           <a:p>
             <a:pPr marL="0" indent="0">
@@ -6998,12 +6885,18 @@
             </a:pPr>
             <a:r>
               <a:rPr lang="en-US" dirty="0"/>
-              <a:t>d</a:t>
-            </a:r>
-            <a:r>
-              <a:rPr lang="en-US" dirty="0" smtClean="0"/>
-              <a:t>ate -I</a:t>
-            </a:r>
+              <a:t>less </a:t>
+            </a:r>
+            <a:r>
+              <a:rPr lang="en-US" dirty="0" err="1" smtClean="0"/>
+              <a:t>two.cat.txt</a:t>
+            </a:r>
+            <a:endParaRPr lang="en-US" dirty="0" smtClean="0"/>
+          </a:p>
+          <a:p>
+            <a:pPr marL="0" indent="0">
+              <a:buNone/>
+            </a:pPr>
             <a:endParaRPr lang="en-US" dirty="0"/>
           </a:p>
           <a:p>
@@ -7011,64 +6904,32 @@
               <a:buNone/>
             </a:pPr>
             <a:r>
+              <a:rPr lang="en-US" dirty="0" smtClean="0"/>
+              <a:t>cut </a:t>
+            </a:r>
+            <a:r>
+              <a:rPr lang="en-US" dirty="0" err="1" smtClean="0"/>
+              <a:t>two.cat.txt</a:t>
+            </a:r>
+            <a:r>
+              <a:rPr lang="en-US" dirty="0" smtClean="0"/>
+              <a:t> -</a:t>
+            </a:r>
+            <a:r>
               <a:rPr lang="en-US" dirty="0"/>
-              <a:t>d</a:t>
-            </a:r>
-            <a:r>
-              <a:rPr lang="en-US" dirty="0" smtClean="0"/>
-              <a:t>ate -R</a:t>
-            </a:r>
-            <a:endParaRPr lang="en-US" dirty="0"/>
-          </a:p>
-          <a:p>
-            <a:pPr marL="0" indent="0">
-              <a:buNone/>
-            </a:pPr>
-            <a:endParaRPr lang="en-US" dirty="0"/>
-          </a:p>
-          <a:p>
-            <a:r>
-              <a:rPr lang="en-US" dirty="0" err="1"/>
-              <a:t>c</a:t>
+              <a:t>f </a:t>
+            </a:r>
+            <a:r>
+              <a:rPr lang="en-US" dirty="0" smtClean="0"/>
+              <a:t>2 </a:t>
+            </a:r>
+            <a:r>
+              <a:rPr lang="en-US" dirty="0"/>
+              <a:t>| sort | </a:t>
             </a:r>
             <a:r>
               <a:rPr lang="en-US" dirty="0" err="1" smtClean="0"/>
-              <a:t>al</a:t>
-            </a:r>
-            <a:endParaRPr lang="en-US" dirty="0" smtClean="0"/>
-          </a:p>
-          <a:p>
-            <a:pPr marL="0" indent="0">
-              <a:buNone/>
-            </a:pPr>
-            <a:r>
-              <a:rPr lang="en-US" dirty="0" err="1" smtClean="0"/>
-              <a:t>cal</a:t>
-            </a:r>
-            <a:r>
-              <a:rPr lang="en-US" smtClean="0"/>
-              <a:t> 2 </a:t>
-            </a:r>
-            <a:r>
-              <a:rPr lang="en-US" dirty="0" smtClean="0"/>
-              <a:t>2016</a:t>
-            </a:r>
-          </a:p>
-          <a:p>
-            <a:pPr marL="0" indent="0">
-              <a:buNone/>
-            </a:pPr>
-            <a:r>
-              <a:rPr lang="en-US" dirty="0" err="1"/>
-              <a:t>c</a:t>
-            </a:r>
-            <a:r>
-              <a:rPr lang="en-US" dirty="0" err="1" smtClean="0"/>
-              <a:t>al</a:t>
-            </a:r>
-            <a:r>
-              <a:rPr lang="en-US" dirty="0" smtClean="0"/>
-              <a:t> 2016</a:t>
+              <a:t>uniq</a:t>
             </a:r>
             <a:endParaRPr lang="en-US" dirty="0"/>
           </a:p>
@@ -7077,7 +6938,7 @@
     </p:spTree>
     <p:extLst>
       <p:ext uri="{BB962C8B-B14F-4D97-AF65-F5344CB8AC3E}">
-        <p14:creationId xmlns:p14="http://schemas.microsoft.com/office/powerpoint/2010/main" val="827447023"/>
+        <p14:creationId xmlns:p14="http://schemas.microsoft.com/office/powerpoint/2010/main" val="3698898899"/>
       </p:ext>
     </p:extLst>
   </p:cSld>
@@ -7127,8 +6988,16 @@
           <a:lstStyle/>
           <a:p>
             <a:r>
-              <a:rPr lang="en-US" dirty="0" smtClean="0"/>
-              <a:t>sleep</a:t>
+              <a:rPr lang="en-US" dirty="0"/>
+              <a:t>d</a:t>
+            </a:r>
+            <a:r>
+              <a:rPr lang="en-US" dirty="0" smtClean="0"/>
+              <a:t>ate and </a:t>
+            </a:r>
+            <a:r>
+              <a:rPr lang="en-US" dirty="0" err="1" smtClean="0"/>
+              <a:t>cal</a:t>
             </a:r>
             <a:endParaRPr lang="en-US" dirty="0"/>
           </a:p>
@@ -7146,8 +7015,8 @@
         </p:nvSpPr>
         <p:spPr>
           <a:xfrm>
-            <a:off x="3147607" y="1429964"/>
-            <a:ext cx="2917080" cy="3086303"/>
+            <a:off x="2922153" y="1384875"/>
+            <a:ext cx="3262775" cy="3830247"/>
           </a:xfrm>
         </p:spPr>
         <p:txBody>
@@ -7157,16 +7026,66 @@
           <a:lstStyle/>
           <a:p>
             <a:r>
+              <a:rPr lang="en-US" dirty="0" smtClean="0"/>
+              <a:t>date</a:t>
+            </a:r>
+          </a:p>
+          <a:p>
+            <a:pPr marL="0" indent="0">
+              <a:buNone/>
+            </a:pPr>
+            <a:r>
               <a:rPr lang="en-US" dirty="0"/>
-              <a:t>s</a:t>
-            </a:r>
-            <a:r>
-              <a:rPr lang="en-US" dirty="0" smtClean="0"/>
-              <a:t>leep</a:t>
-            </a:r>
-            <a:br>
-              <a:rPr lang="en-US" dirty="0" smtClean="0"/>
-            </a:br>
+              <a:t>d</a:t>
+            </a:r>
+            <a:r>
+              <a:rPr lang="en-US" dirty="0" smtClean="0"/>
+              <a:t>ate</a:t>
+            </a:r>
+          </a:p>
+          <a:p>
+            <a:pPr marL="0" indent="0">
+              <a:buNone/>
+            </a:pPr>
+            <a:r>
+              <a:rPr lang="en-US" dirty="0"/>
+              <a:t>d</a:t>
+            </a:r>
+            <a:r>
+              <a:rPr lang="en-US" dirty="0" smtClean="0"/>
+              <a:t>ate -I</a:t>
+            </a:r>
+            <a:endParaRPr lang="en-US" dirty="0"/>
+          </a:p>
+          <a:p>
+            <a:pPr marL="0" indent="0">
+              <a:buNone/>
+            </a:pPr>
+            <a:r>
+              <a:rPr lang="en-US" dirty="0"/>
+              <a:t>d</a:t>
+            </a:r>
+            <a:r>
+              <a:rPr lang="en-US" dirty="0" smtClean="0"/>
+              <a:t>ate -R</a:t>
+            </a:r>
+            <a:endParaRPr lang="en-US" dirty="0"/>
+          </a:p>
+          <a:p>
+            <a:pPr marL="0" indent="0">
+              <a:buNone/>
+            </a:pPr>
+            <a:endParaRPr lang="en-US" dirty="0"/>
+          </a:p>
+          <a:p>
+            <a:r>
+              <a:rPr lang="en-US" dirty="0" err="1"/>
+              <a:t>c</a:t>
+            </a:r>
+            <a:r>
+              <a:rPr lang="en-US" dirty="0" err="1" smtClean="0"/>
+              <a:t>al</a:t>
+            </a:r>
             <a:endParaRPr lang="en-US" dirty="0" smtClean="0"/>
           </a:p>
           <a:p>
@@ -7174,12 +7093,16 @@
               <a:buNone/>
             </a:pPr>
             <a:r>
-              <a:rPr lang="en-US" dirty="0"/>
-              <a:t>s</a:t>
-            </a:r>
-            <a:r>
-              <a:rPr lang="en-US" dirty="0" smtClean="0"/>
-              <a:t>leep 3s</a:t>
+              <a:rPr lang="en-US" dirty="0" err="1" smtClean="0"/>
+              <a:t>cal</a:t>
+            </a:r>
+            <a:r>
+              <a:rPr lang="en-US" smtClean="0"/>
+              <a:t> 2 </a:t>
+            </a:r>
+            <a:r>
+              <a:rPr lang="en-US" dirty="0" smtClean="0"/>
+              <a:t>2016</a:t>
             </a:r>
           </a:p>
           <a:p>
@@ -7187,25 +7110,16 @@
               <a:buNone/>
             </a:pPr>
             <a:r>
-              <a:rPr lang="en-US" dirty="0"/>
-              <a:t>s</a:t>
-            </a:r>
-            <a:r>
-              <a:rPr lang="en-US" dirty="0" smtClean="0"/>
-              <a:t>leep 3</a:t>
-            </a:r>
-          </a:p>
-          <a:p>
-            <a:pPr marL="0" indent="0">
-              <a:buNone/>
-            </a:pPr>
-            <a:r>
-              <a:rPr lang="en-US" dirty="0"/>
-              <a:t>s</a:t>
-            </a:r>
-            <a:r>
-              <a:rPr lang="en-US" dirty="0" smtClean="0"/>
-              <a:t>leep 1m</a:t>
+              <a:rPr lang="en-US" dirty="0" err="1"/>
+              <a:t>c</a:t>
+            </a:r>
+            <a:r>
+              <a:rPr lang="en-US" dirty="0" err="1" smtClean="0"/>
+              <a:t>al</a:t>
+            </a:r>
+            <a:r>
+              <a:rPr lang="en-US" dirty="0" smtClean="0"/>
+              <a:t> 2016</a:t>
             </a:r>
             <a:endParaRPr lang="en-US" dirty="0"/>
           </a:p>
@@ -7214,7 +7128,7 @@
     </p:spTree>
     <p:extLst>
       <p:ext uri="{BB962C8B-B14F-4D97-AF65-F5344CB8AC3E}">
-        <p14:creationId xmlns:p14="http://schemas.microsoft.com/office/powerpoint/2010/main" val="445269700"/>
+        <p14:creationId xmlns:p14="http://schemas.microsoft.com/office/powerpoint/2010/main" val="827447023"/>
       </p:ext>
     </p:extLst>
   </p:cSld>
@@ -7265,7 +7179,7 @@
           <a:p>
             <a:r>
               <a:rPr lang="en-US" dirty="0" smtClean="0"/>
-              <a:t>clear, history</a:t>
+              <a:t>sleep</a:t>
             </a:r>
             <a:endParaRPr lang="en-US" dirty="0"/>
           </a:p>
@@ -7283,37 +7197,41 @@
         </p:nvSpPr>
         <p:spPr>
           <a:xfrm>
-            <a:off x="1126044" y="1394583"/>
-            <a:ext cx="6787358" cy="3955803"/>
+            <a:off x="3147607" y="1429964"/>
+            <a:ext cx="2917080" cy="3086303"/>
           </a:xfrm>
         </p:spPr>
         <p:txBody>
           <a:bodyPr>
-            <a:normAutofit lnSpcReduction="10000"/>
+            <a:normAutofit/>
           </a:bodyPr>
           <a:lstStyle/>
           <a:p>
             <a:r>
               <a:rPr lang="en-US" dirty="0"/>
-              <a:t>c</a:t>
-            </a:r>
-            <a:r>
-              <a:rPr lang="en-US" dirty="0" smtClean="0"/>
-              <a:t>lear: clean the screen</a:t>
-            </a:r>
-          </a:p>
-          <a:p>
+              <a:t>s</a:t>
+            </a:r>
+            <a:r>
+              <a:rPr lang="en-US" dirty="0" smtClean="0"/>
+              <a:t>leep</a:t>
+            </a:r>
+            <a:br>
+              <a:rPr lang="en-US" dirty="0" smtClean="0"/>
+            </a:br>
+            <a:endParaRPr lang="en-US" dirty="0" smtClean="0"/>
+          </a:p>
+          <a:p>
+            <a:pPr marL="0" indent="0">
+              <a:buNone/>
+            </a:pPr>
             <a:r>
               <a:rPr lang="en-US" dirty="0"/>
-              <a:t>h</a:t>
-            </a:r>
-            <a:r>
-              <a:rPr lang="en-US" dirty="0" smtClean="0"/>
-              <a:t>istory: display previous input command lines</a:t>
-            </a:r>
-          </a:p>
-          <a:p>
-            <a:endParaRPr lang="en-US" dirty="0"/>
+              <a:t>s</a:t>
+            </a:r>
+            <a:r>
+              <a:rPr lang="en-US" dirty="0" smtClean="0"/>
+              <a:t>leep 3s</a:t>
+            </a:r>
           </a:p>
           <a:p>
             <a:pPr marL="0" indent="0">
@@ -7321,11 +7239,11 @@
             </a:pPr>
             <a:r>
               <a:rPr lang="en-US" dirty="0"/>
-              <a:t>c</a:t>
-            </a:r>
-            <a:r>
-              <a:rPr lang="en-US" dirty="0" smtClean="0"/>
-              <a:t>lear</a:t>
+              <a:t>s</a:t>
+            </a:r>
+            <a:r>
+              <a:rPr lang="en-US" dirty="0" smtClean="0"/>
+              <a:t>leep 3</a:t>
             </a:r>
           </a:p>
           <a:p>
@@ -7334,64 +7252,11 @@
             </a:pPr>
             <a:r>
               <a:rPr lang="en-US" dirty="0"/>
-              <a:t>h</a:t>
-            </a:r>
-            <a:r>
-              <a:rPr lang="en-US" dirty="0" smtClean="0"/>
-              <a:t>istory</a:t>
-            </a:r>
-          </a:p>
-          <a:p>
-            <a:pPr marL="0" indent="0">
-              <a:buNone/>
-            </a:pPr>
-            <a:r>
-              <a:rPr lang="en-US" dirty="0"/>
-              <a:t>h</a:t>
-            </a:r>
-            <a:r>
-              <a:rPr lang="en-US" dirty="0" smtClean="0"/>
-              <a:t>istory | more</a:t>
-            </a:r>
-          </a:p>
-          <a:p>
-            <a:pPr marL="0" indent="0">
-              <a:buNone/>
-            </a:pPr>
-            <a:r>
-              <a:rPr lang="en-US" dirty="0"/>
-              <a:t>h</a:t>
-            </a:r>
-            <a:r>
-              <a:rPr lang="en-US" dirty="0" smtClean="0"/>
-              <a:t>istory | </a:t>
-            </a:r>
-            <a:r>
-              <a:rPr lang="en-US" dirty="0" err="1" smtClean="0"/>
-              <a:t>grep</a:t>
-            </a:r>
-            <a:r>
-              <a:rPr lang="en-US" dirty="0" smtClean="0"/>
-              <a:t> “paste”</a:t>
-            </a:r>
-          </a:p>
-          <a:p>
-            <a:pPr marL="0" indent="0">
-              <a:buNone/>
-            </a:pPr>
-            <a:r>
-              <a:rPr lang="en-US" dirty="0" smtClean="0"/>
-              <a:t>history &gt; practice01282016.sh</a:t>
-            </a:r>
-            <a:endParaRPr lang="en-US" dirty="0"/>
-          </a:p>
-          <a:p>
-            <a:pPr marL="0" indent="0">
-              <a:buNone/>
-            </a:pPr>
-            <a:r>
-              <a:rPr lang="en-US" dirty="0" smtClean="0"/>
-              <a:t>clear</a:t>
+              <a:t>s</a:t>
+            </a:r>
+            <a:r>
+              <a:rPr lang="en-US" dirty="0" smtClean="0"/>
+              <a:t>leep 1m</a:t>
             </a:r>
             <a:endParaRPr lang="en-US" dirty="0"/>
           </a:p>
@@ -7400,7 +7265,7 @@
     </p:spTree>
     <p:extLst>
       <p:ext uri="{BB962C8B-B14F-4D97-AF65-F5344CB8AC3E}">
-        <p14:creationId xmlns:p14="http://schemas.microsoft.com/office/powerpoint/2010/main" val="3647090998"/>
+        <p14:creationId xmlns:p14="http://schemas.microsoft.com/office/powerpoint/2010/main" val="445269700"/>
       </p:ext>
     </p:extLst>
   </p:cSld>
@@ -7444,6 +7309,192 @@
             <p:ph type="title"/>
           </p:nvPr>
         </p:nvSpPr>
+        <p:spPr/>
+        <p:txBody>
+          <a:bodyPr/>
+          <a:lstStyle/>
+          <a:p>
+            <a:r>
+              <a:rPr lang="en-US" dirty="0" smtClean="0"/>
+              <a:t>clear, history</a:t>
+            </a:r>
+            <a:endParaRPr lang="en-US" dirty="0"/>
+          </a:p>
+        </p:txBody>
+      </p:sp>
+      <p:sp>
+        <p:nvSpPr>
+          <p:cNvPr id="3" name="Content Placeholder 2"/>
+          <p:cNvSpPr>
+            <a:spLocks noGrp="1"/>
+          </p:cNvSpPr>
+          <p:nvPr>
+            <p:ph idx="1"/>
+          </p:nvPr>
+        </p:nvSpPr>
+        <p:spPr>
+          <a:xfrm>
+            <a:off x="1126044" y="1394583"/>
+            <a:ext cx="6787358" cy="3955803"/>
+          </a:xfrm>
+        </p:spPr>
+        <p:txBody>
+          <a:bodyPr>
+            <a:normAutofit lnSpcReduction="10000"/>
+          </a:bodyPr>
+          <a:lstStyle/>
+          <a:p>
+            <a:r>
+              <a:rPr lang="en-US" dirty="0"/>
+              <a:t>c</a:t>
+            </a:r>
+            <a:r>
+              <a:rPr lang="en-US" dirty="0" smtClean="0"/>
+              <a:t>lear: clean the screen</a:t>
+            </a:r>
+          </a:p>
+          <a:p>
+            <a:r>
+              <a:rPr lang="en-US" dirty="0"/>
+              <a:t>h</a:t>
+            </a:r>
+            <a:r>
+              <a:rPr lang="en-US" dirty="0" smtClean="0"/>
+              <a:t>istory: display previous input command lines</a:t>
+            </a:r>
+          </a:p>
+          <a:p>
+            <a:endParaRPr lang="en-US" dirty="0"/>
+          </a:p>
+          <a:p>
+            <a:pPr marL="0" indent="0">
+              <a:buNone/>
+            </a:pPr>
+            <a:r>
+              <a:rPr lang="en-US" dirty="0"/>
+              <a:t>c</a:t>
+            </a:r>
+            <a:r>
+              <a:rPr lang="en-US" dirty="0" smtClean="0"/>
+              <a:t>lear</a:t>
+            </a:r>
+          </a:p>
+          <a:p>
+            <a:pPr marL="0" indent="0">
+              <a:buNone/>
+            </a:pPr>
+            <a:r>
+              <a:rPr lang="en-US" dirty="0"/>
+              <a:t>h</a:t>
+            </a:r>
+            <a:r>
+              <a:rPr lang="en-US" dirty="0" smtClean="0"/>
+              <a:t>istory</a:t>
+            </a:r>
+          </a:p>
+          <a:p>
+            <a:pPr marL="0" indent="0">
+              <a:buNone/>
+            </a:pPr>
+            <a:r>
+              <a:rPr lang="en-US" dirty="0"/>
+              <a:t>h</a:t>
+            </a:r>
+            <a:r>
+              <a:rPr lang="en-US" dirty="0" smtClean="0"/>
+              <a:t>istory | more</a:t>
+            </a:r>
+          </a:p>
+          <a:p>
+            <a:pPr marL="0" indent="0">
+              <a:buNone/>
+            </a:pPr>
+            <a:r>
+              <a:rPr lang="en-US" dirty="0"/>
+              <a:t>h</a:t>
+            </a:r>
+            <a:r>
+              <a:rPr lang="en-US" dirty="0" smtClean="0"/>
+              <a:t>istory | </a:t>
+            </a:r>
+            <a:r>
+              <a:rPr lang="en-US" dirty="0" err="1" smtClean="0"/>
+              <a:t>grep</a:t>
+            </a:r>
+            <a:r>
+              <a:rPr lang="en-US" dirty="0" smtClean="0"/>
+              <a:t> “paste”</a:t>
+            </a:r>
+          </a:p>
+          <a:p>
+            <a:pPr marL="0" indent="0">
+              <a:buNone/>
+            </a:pPr>
+            <a:r>
+              <a:rPr lang="en-US" dirty="0" smtClean="0"/>
+              <a:t>history &gt; practice01282016.sh</a:t>
+            </a:r>
+            <a:endParaRPr lang="en-US" dirty="0"/>
+          </a:p>
+          <a:p>
+            <a:pPr marL="0" indent="0">
+              <a:buNone/>
+            </a:pPr>
+            <a:r>
+              <a:rPr lang="en-US" dirty="0" smtClean="0"/>
+              <a:t>clear</a:t>
+            </a:r>
+            <a:endParaRPr lang="en-US" dirty="0"/>
+          </a:p>
+        </p:txBody>
+      </p:sp>
+    </p:spTree>
+    <p:extLst>
+      <p:ext uri="{BB962C8B-B14F-4D97-AF65-F5344CB8AC3E}">
+        <p14:creationId xmlns:p14="http://schemas.microsoft.com/office/powerpoint/2010/main" val="3647090998"/>
+      </p:ext>
+    </p:extLst>
+  </p:cSld>
+  <p:clrMapOvr>
+    <a:masterClrMapping/>
+  </p:clrMapOvr>
+  <p:timing>
+    <p:tnLst>
+      <p:par>
+        <p:cTn xmlns:p14="http://schemas.microsoft.com/office/powerpoint/2010/main" id="1" dur="indefinite" restart="never" nodeType="tmRoot"/>
+      </p:par>
+    </p:tnLst>
+  </p:timing>
+</p:sld>
+</file>
+
+<file path=ppt/slides/slide28.xml><?xml version="1.0" encoding="utf-8"?>
+<p:sld xmlns:a="http://schemas.openxmlformats.org/drawingml/2006/main" xmlns:r="http://schemas.openxmlformats.org/officeDocument/2006/relationships" xmlns:p="http://schemas.openxmlformats.org/presentationml/2006/main">
+  <p:cSld>
+    <p:spTree>
+      <p:nvGrpSpPr>
+        <p:cNvPr id="1" name=""/>
+        <p:cNvGrpSpPr/>
+        <p:nvPr/>
+      </p:nvGrpSpPr>
+      <p:grpSpPr>
+        <a:xfrm>
+          <a:off x="0" y="0"/>
+          <a:ext cx="0" cy="0"/>
+          <a:chOff x="0" y="0"/>
+          <a:chExt cx="0" cy="0"/>
+        </a:xfrm>
+      </p:grpSpPr>
+      <p:sp>
+        <p:nvSpPr>
+          <p:cNvPr id="2" name="Title 1"/>
+          <p:cNvSpPr>
+            <a:spLocks noGrp="1"/>
+          </p:cNvSpPr>
+          <p:nvPr>
+            <p:ph type="title"/>
+          </p:nvPr>
+        </p:nvSpPr>
         <p:spPr>
           <a:xfrm>
             <a:off x="457200" y="274638"/>
@@ -7531,7 +7582,7 @@
 </p:sld>
 </file>
 
-<file path=ppt/slides/slide28.xml><?xml version="1.0" encoding="utf-8"?>
+<file path=ppt/slides/slide29.xml><?xml version="1.0" encoding="utf-8"?>
 <p:sld xmlns:a="http://schemas.openxmlformats.org/drawingml/2006/main" xmlns:r="http://schemas.openxmlformats.org/officeDocument/2006/relationships" xmlns:p="http://schemas.openxmlformats.org/presentationml/2006/main">
   <p:cSld>
     <p:spTree>
